--- a/Presentations for Visual Studio Code MVA/03.Express-and-databases.pptx
+++ b/Presentations for Visual Studio Code MVA/03.Express-and-databases.pptx
@@ -3887,11 +3887,7 @@
             <a:pPr marL="914400" indent="-914400"/>
             <a:r>
               <a:rPr lang="en-US" dirty="0" smtClean="0"/>
-              <a:t>03 | </a:t>
-            </a:r>
-            <a:r>
-              <a:rPr lang="en-US" dirty="0" smtClean="0"/>
-              <a:t>Express and Databases</a:t>
+              <a:t>03 | Express and Databases</a:t>
             </a:r>
             <a:endParaRPr lang="en-US" dirty="0"/>
           </a:p>
@@ -4008,7 +4004,7 @@
           <a:noFill/>
           <a:extLst>
             <a:ext uri="{909E8E84-426E-40dd-AFC4-6F175D3DCCD1}">
-              <a14:hiddenFill xmlns:a14="http://schemas.microsoft.com/office/drawing/2010/main" xmlns="">
+              <a14:hiddenFill xmlns="" xmlns:a14="http://schemas.microsoft.com/office/drawing/2010/main">
                 <a:solidFill>
                   <a:srgbClr val="FFFFFF"/>
                 </a:solidFill>
@@ -4356,15 +4352,7 @@
           <a:p>
             <a:r>
               <a:rPr lang="en-US" dirty="0" smtClean="0"/>
-              <a:t>Its a lot like a </a:t>
-            </a:r>
-            <a:r>
-              <a:rPr lang="en-US" dirty="0" smtClean="0"/>
-              <a:t>JavaScript </a:t>
-            </a:r>
-            <a:r>
-              <a:rPr lang="en-US" dirty="0" smtClean="0"/>
-              <a:t>interactive shell</a:t>
+              <a:t>Its a lot like a JavaScript interactive shell</a:t>
             </a:r>
             <a:endParaRPr lang="en-US" dirty="0"/>
           </a:p>
@@ -4893,11 +4881,6 @@
               </a:rPr>
               <a:t>DEMO</a:t>
             </a:r>
-            <a:endParaRPr lang="en-US" sz="4400" dirty="0" smtClean="0">
-              <a:solidFill>
-                <a:schemeClr val="bg1"/>
-              </a:solidFill>
-            </a:endParaRPr>
           </a:p>
         </p:txBody>
       </p:sp>
@@ -4991,11 +4974,6 @@
               </a:rPr>
               <a:t>DEMO</a:t>
             </a:r>
-            <a:endParaRPr lang="en-US" sz="4400" dirty="0" smtClean="0">
-              <a:solidFill>
-                <a:schemeClr val="bg1"/>
-              </a:solidFill>
-            </a:endParaRPr>
           </a:p>
         </p:txBody>
       </p:sp>
@@ -5096,35 +5074,13 @@
           </a:p>
           <a:p>
             <a:r>
+              <a:rPr lang="en-GB" smtClean="0"/>
+              <a:t>Show </a:t>
+            </a:r>
+            <a:r>
               <a:rPr lang="en-GB" dirty="0" smtClean="0"/>
-              <a:t>Discuss </a:t>
-            </a:r>
-            <a:r>
-              <a:rPr lang="en-GB" dirty="0" err="1" smtClean="0"/>
-              <a:t>Redis</a:t>
-            </a:r>
-            <a:endParaRPr lang="en-GB" dirty="0" smtClean="0"/>
-          </a:p>
-          <a:p>
-            <a:r>
-              <a:rPr lang="en-GB" dirty="0" smtClean="0"/>
-              <a:t>Show you how to connect to Azure </a:t>
-            </a:r>
-            <a:r>
-              <a:rPr lang="en-GB" dirty="0" err="1" smtClean="0"/>
-              <a:t>Redis</a:t>
-            </a:r>
-            <a:r>
-              <a:rPr lang="en-GB" dirty="0" smtClean="0"/>
-              <a:t> Cache</a:t>
-            </a:r>
-          </a:p>
-          <a:p>
-            <a:r>
-              <a:rPr lang="en-GB" dirty="0" smtClean="0"/>
-              <a:t>Show you how to save to MongoDB using Mongoose</a:t>
-            </a:r>
-            <a:endParaRPr lang="en-GB" dirty="0" smtClean="0"/>
+              <a:t>you how to save to MongoDB using Mongoose</a:t>
+            </a:r>
           </a:p>
         </p:txBody>
       </p:sp>
@@ -5218,11 +5174,6 @@
               </a:rPr>
               <a:t>DEMO</a:t>
             </a:r>
-            <a:endParaRPr lang="en-US" sz="4400" dirty="0" smtClean="0">
-              <a:solidFill>
-                <a:schemeClr val="bg1"/>
-              </a:solidFill>
-            </a:endParaRPr>
           </a:p>
         </p:txBody>
       </p:sp>
@@ -6037,11 +5988,11 @@
   <p:clrMapOvr>
     <a:masterClrMapping/>
   </p:clrMapOvr>
-  <mc:AlternateContent xmlns:mc="http://schemas.openxmlformats.org/markup-compatibility/2006">
-    <mc:Choice xmlns:p14="http://schemas.microsoft.com/office/powerpoint/2010/main" Requires="p14">
+  <mc:AlternateContent xmlns:mc="http://schemas.openxmlformats.org/markup-compatibility/2006" xmlns:p14="http://schemas.microsoft.com/office/powerpoint/2010/main">
+    <mc:Choice Requires="p14">
       <p:transition spd="slow" p14:dur="2000"/>
     </mc:Choice>
-    <mc:Fallback>
+    <mc:Fallback xmlns="">
       <p:transition spd="slow"/>
     </mc:Fallback>
   </mc:AlternateContent>
@@ -7102,6 +7053,21 @@
 </file>
 
 <file path=customXml/item1.xml><?xml version="1.0" encoding="utf-8"?>
+<p:properties xmlns:p="http://schemas.microsoft.com/office/2006/metadata/properties" xmlns:xsi="http://www.w3.org/2001/XMLSchema-instance" xmlns:pc="http://schemas.microsoft.com/office/infopath/2007/PartnerControls">
+  <documentManagement/>
+</p:properties>
+</file>
+
+<file path=customXml/item2.xml><?xml version="1.0" encoding="utf-8"?>
+<?mso-contentType ?>
+<FormTemplates xmlns="http://schemas.microsoft.com/sharepoint/v3/contenttype/forms">
+  <Display>DocumentLibraryForm</Display>
+  <Edit>DocumentLibraryForm</Edit>
+  <New>DocumentLibraryForm</New>
+</FormTemplates>
+</file>
+
+<file path=customXml/item3.xml><?xml version="1.0" encoding="utf-8"?>
 <ct:contentTypeSchema xmlns:ct="http://schemas.microsoft.com/office/2006/metadata/contentType" xmlns:ma="http://schemas.microsoft.com/office/2006/metadata/properties/metaAttributes" ct:_="" ma:_="" ma:contentTypeName="Document" ma:contentTypeID="0x010100391E57C78B9F604FB8BAD296D1460E2A" ma:contentTypeVersion="1" ma:contentTypeDescription="Create a new document." ma:contentTypeScope="" ma:versionID="fb382fe2362acd2155f454904f478e4d">
   <xsd:schema xmlns:xsd="http://www.w3.org/2001/XMLSchema" xmlns:xs="http://www.w3.org/2001/XMLSchema" xmlns:p="http://schemas.microsoft.com/office/2006/metadata/properties" xmlns:ns3="636b0322-90fb-440c-9cbc-22749e7231e9" targetNamespace="http://schemas.microsoft.com/office/2006/metadata/properties" ma:root="true" ma:fieldsID="b9887c63ce4710c1aeb75a5f03aecb69" ns3:_="">
     <xsd:import namespace="636b0322-90fb-440c-9cbc-22749e7231e9"/>
@@ -7241,22 +7207,31 @@
 </ct:contentTypeSchema>
 </file>
 
-<file path=customXml/item2.xml><?xml version="1.0" encoding="utf-8"?>
-<?mso-contentType ?>
-<FormTemplates xmlns="http://schemas.microsoft.com/sharepoint/v3/contenttype/forms">
-  <Display>DocumentLibraryForm</Display>
-  <Edit>DocumentLibraryForm</Edit>
-  <New>DocumentLibraryForm</New>
-</FormTemplates>
+<file path=customXml/itemProps1.xml><?xml version="1.0" encoding="utf-8"?>
+<ds:datastoreItem xmlns:ds="http://schemas.openxmlformats.org/officeDocument/2006/customXml" ds:itemID="{7025FDD9-4C58-4084-9F89-0E6ADD6FFF55}">
+  <ds:schemaRefs>
+    <ds:schemaRef ds:uri="http://purl.org/dc/terms/"/>
+    <ds:schemaRef ds:uri="http://schemas.openxmlformats.org/package/2006/metadata/core-properties"/>
+    <ds:schemaRef ds:uri="http://schemas.microsoft.com/office/2006/documentManagement/types"/>
+    <ds:schemaRef ds:uri="http://schemas.microsoft.com/office/infopath/2007/PartnerControls"/>
+    <ds:schemaRef ds:uri="http://purl.org/dc/elements/1.1/"/>
+    <ds:schemaRef ds:uri="http://schemas.microsoft.com/office/2006/metadata/properties"/>
+    <ds:schemaRef ds:uri="636b0322-90fb-440c-9cbc-22749e7231e9"/>
+    <ds:schemaRef ds:uri="http://www.w3.org/XML/1998/namespace"/>
+    <ds:schemaRef ds:uri="http://purl.org/dc/dcmitype/"/>
+  </ds:schemaRefs>
+</ds:datastoreItem>
 </file>
 
-<file path=customXml/item3.xml><?xml version="1.0" encoding="utf-8"?>
-<p:properties xmlns:p="http://schemas.microsoft.com/office/2006/metadata/properties" xmlns:xsi="http://www.w3.org/2001/XMLSchema-instance" xmlns:pc="http://schemas.microsoft.com/office/infopath/2007/PartnerControls">
-  <documentManagement/>
-</p:properties>
+<file path=customXml/itemProps2.xml><?xml version="1.0" encoding="utf-8"?>
+<ds:datastoreItem xmlns:ds="http://schemas.openxmlformats.org/officeDocument/2006/customXml" ds:itemID="{B0CA13EC-1D3C-4D6F-8D1C-E8A452CFC79A}">
+  <ds:schemaRefs>
+    <ds:schemaRef ds:uri="http://schemas.microsoft.com/sharepoint/v3/contenttype/forms"/>
+  </ds:schemaRefs>
+</ds:datastoreItem>
 </file>
 
-<file path=customXml/itemProps1.xml><?xml version="1.0" encoding="utf-8"?>
+<file path=customXml/itemProps3.xml><?xml version="1.0" encoding="utf-8"?>
 <ds:datastoreItem xmlns:ds="http://schemas.openxmlformats.org/officeDocument/2006/customXml" ds:itemID="{7B70CE0C-0988-423A-BF66-B40F6A1061FF}">
   <ds:schemaRefs>
     <ds:schemaRef ds:uri="http://schemas.microsoft.com/office/2006/metadata/contentType"/>
@@ -7272,28 +7247,4 @@
     <ds:schemaRef ds:uri="http://schemas.microsoft.com/internal/obd"/>
   </ds:schemaRefs>
 </ds:datastoreItem>
-</file>
-
-<file path=customXml/itemProps2.xml><?xml version="1.0" encoding="utf-8"?>
-<ds:datastoreItem xmlns:ds="http://schemas.openxmlformats.org/officeDocument/2006/customXml" ds:itemID="{B0CA13EC-1D3C-4D6F-8D1C-E8A452CFC79A}">
-  <ds:schemaRefs>
-    <ds:schemaRef ds:uri="http://schemas.microsoft.com/sharepoint/v3/contenttype/forms"/>
-  </ds:schemaRefs>
-</ds:datastoreItem>
-</file>
-
-<file path=customXml/itemProps3.xml><?xml version="1.0" encoding="utf-8"?>
-<ds:datastoreItem xmlns:ds="http://schemas.openxmlformats.org/officeDocument/2006/customXml" ds:itemID="{7025FDD9-4C58-4084-9F89-0E6ADD6FFF55}">
-  <ds:schemaRefs>
-    <ds:schemaRef ds:uri="http://purl.org/dc/terms/"/>
-    <ds:schemaRef ds:uri="http://schemas.openxmlformats.org/package/2006/metadata/core-properties"/>
-    <ds:schemaRef ds:uri="http://schemas.microsoft.com/office/2006/documentManagement/types"/>
-    <ds:schemaRef ds:uri="http://schemas.microsoft.com/office/infopath/2007/PartnerControls"/>
-    <ds:schemaRef ds:uri="http://purl.org/dc/elements/1.1/"/>
-    <ds:schemaRef ds:uri="http://schemas.microsoft.com/office/2006/metadata/properties"/>
-    <ds:schemaRef ds:uri="636b0322-90fb-440c-9cbc-22749e7231e9"/>
-    <ds:schemaRef ds:uri="http://www.w3.org/XML/1998/namespace"/>
-    <ds:schemaRef ds:uri="http://purl.org/dc/dcmitype/"/>
-  </ds:schemaRefs>
-</ds:datastoreItem>
 </file>
--- a/Presentations for Visual Studio Code MVA/03.Express-and-databases.pptx
+++ b/Presentations for Visual Studio Code MVA/03.Express-and-databases.pptx
@@ -5,10 +5,10 @@
     <p:sldMasterId id="2147483660" r:id="rId4"/>
   </p:sldMasterIdLst>
   <p:notesMasterIdLst>
-    <p:notesMasterId r:id="rId26"/>
+    <p:notesMasterId r:id="rId25"/>
   </p:notesMasterIdLst>
   <p:handoutMasterIdLst>
-    <p:handoutMasterId r:id="rId27"/>
+    <p:handoutMasterId r:id="rId26"/>
   </p:handoutMasterIdLst>
   <p:sldIdLst>
     <p:sldId id="283" r:id="rId5"/>
@@ -17,21 +17,20 @@
     <p:sldId id="297" r:id="rId8"/>
     <p:sldId id="298" r:id="rId9"/>
     <p:sldId id="302" r:id="rId10"/>
-    <p:sldId id="299" r:id="rId11"/>
-    <p:sldId id="303" r:id="rId12"/>
-    <p:sldId id="304" r:id="rId13"/>
-    <p:sldId id="305" r:id="rId14"/>
-    <p:sldId id="307" r:id="rId15"/>
-    <p:sldId id="308" r:id="rId16"/>
-    <p:sldId id="309" r:id="rId17"/>
-    <p:sldId id="310" r:id="rId18"/>
-    <p:sldId id="311" r:id="rId19"/>
-    <p:sldId id="312" r:id="rId20"/>
-    <p:sldId id="313" r:id="rId21"/>
-    <p:sldId id="316" r:id="rId22"/>
-    <p:sldId id="317" r:id="rId23"/>
-    <p:sldId id="318" r:id="rId24"/>
-    <p:sldId id="289" r:id="rId25"/>
+    <p:sldId id="303" r:id="rId11"/>
+    <p:sldId id="304" r:id="rId12"/>
+    <p:sldId id="305" r:id="rId13"/>
+    <p:sldId id="307" r:id="rId14"/>
+    <p:sldId id="308" r:id="rId15"/>
+    <p:sldId id="309" r:id="rId16"/>
+    <p:sldId id="310" r:id="rId17"/>
+    <p:sldId id="311" r:id="rId18"/>
+    <p:sldId id="312" r:id="rId19"/>
+    <p:sldId id="316" r:id="rId20"/>
+    <p:sldId id="317" r:id="rId21"/>
+    <p:sldId id="318" r:id="rId22"/>
+    <p:sldId id="319" r:id="rId23"/>
+    <p:sldId id="289" r:id="rId24"/>
   </p:sldIdLst>
   <p:sldSz cx="12192000" cy="6858000"/>
   <p:notesSz cx="6858000" cy="9144000"/>
@@ -223,7 +222,7 @@
           <a:p>
             <a:fld id="{312E7B4A-039C-48A2-9B2C-AF16AA3873D8}" type="datetimeFigureOut">
               <a:rPr lang="en-US" smtClean="0"/>
-              <a:t>7/27/2015</a:t>
+              <a:t>7/28/2015</a:t>
             </a:fld>
             <a:endParaRPr lang="en-US"/>
           </a:p>
@@ -388,7 +387,7 @@
           <a:p>
             <a:fld id="{DA005A0C-54D9-45AA-87D4-C551D08DFCE1}" type="datetimeFigureOut">
               <a:rPr lang="en-US" smtClean="0"/>
-              <a:t>7/27/2015</a:t>
+              <a:t>7/28/2015</a:t>
             </a:fld>
             <a:endParaRPr lang="en-US"/>
           </a:p>
@@ -1109,7 +1108,7 @@
             <a:fld id="{13F0F35F-DD44-4607-AEC1-49D7A4BC4066}" type="slidenum">
               <a:rPr lang="en-US" smtClean="0"/>
               <a:pPr/>
-              <a:t>10</a:t>
+              <a:t>9</a:t>
             </a:fld>
             <a:endParaRPr lang="en-US" dirty="0"/>
           </a:p>
@@ -1201,7 +1200,7 @@
           <a:p>
             <a:fld id="{4CFD207A-07DF-40AD-A916-9872E089CE7A}" type="slidenum">
               <a:rPr lang="en-US" smtClean="0"/>
-              <a:t>14</a:t>
+              <a:t>13</a:t>
             </a:fld>
             <a:endParaRPr lang="en-US"/>
           </a:p>
@@ -3972,50 +3971,9 @@
           <a:chExt cx="0" cy="0"/>
         </a:xfrm>
       </p:grpSpPr>
-      <p:pic>
-        <p:nvPicPr>
-          <p:cNvPr id="6146" name="Picture 2" descr="https://github.com/sedouard/mongodb-mva/raw/master/module2_getting_started/ScreenShots/mongodbss2.png"/>
-          <p:cNvPicPr>
-            <a:picLocks noChangeAspect="1" noChangeArrowheads="1"/>
-          </p:cNvPicPr>
-          <p:nvPr/>
-        </p:nvPicPr>
-        <p:blipFill>
-          <a:blip r:embed="rId3">
-            <a:extLst>
-              <a:ext uri="{28A0092B-C50C-407E-A947-70E740481C1C}">
-                <a14:useLocalDpi xmlns:a14="http://schemas.microsoft.com/office/drawing/2010/main" val="0"/>
-              </a:ext>
-            </a:extLst>
-          </a:blip>
-          <a:srcRect/>
-          <a:stretch>
-            <a:fillRect/>
-          </a:stretch>
-        </p:blipFill>
-        <p:spPr bwMode="auto">
-          <a:xfrm>
-            <a:off x="808453" y="1117022"/>
-            <a:ext cx="10666553" cy="5137474"/>
-          </a:xfrm>
-          <a:prstGeom prst="rect">
-            <a:avLst/>
-          </a:prstGeom>
-          <a:noFill/>
-          <a:extLst>
-            <a:ext uri="{909E8E84-426E-40dd-AFC4-6F175D3DCCD1}">
-              <a14:hiddenFill xmlns="" xmlns:a14="http://schemas.microsoft.com/office/drawing/2010/main">
-                <a:solidFill>
-                  <a:srgbClr val="FFFFFF"/>
-                </a:solidFill>
-              </a14:hiddenFill>
-            </a:ext>
-          </a:extLst>
-        </p:spPr>
-      </p:pic>
-      <p:sp>
-        <p:nvSpPr>
-          <p:cNvPr id="2" name="Title 1"/>
+      <p:sp>
+        <p:nvSpPr>
+          <p:cNvPr id="3" name="Title 2"/>
           <p:cNvSpPr>
             <a:spLocks noGrp="1"/>
           </p:cNvSpPr>
@@ -4029,12 +3987,66 @@
           <a:lstStyle/>
           <a:p>
             <a:r>
+              <a:rPr lang="en-US" dirty="0" smtClean="0"/>
+              <a:t>Loading Test Data</a:t>
+            </a:r>
+            <a:endParaRPr lang="en-US" dirty="0"/>
+          </a:p>
+        </p:txBody>
+      </p:sp>
+      <p:sp>
+        <p:nvSpPr>
+          <p:cNvPr id="4" name="Content Placeholder 2"/>
+          <p:cNvSpPr>
+            <a:spLocks noGrp="1"/>
+          </p:cNvSpPr>
+          <p:nvPr>
+            <p:ph sz="quarter" idx="10"/>
+          </p:nvPr>
+        </p:nvSpPr>
+        <p:spPr>
+          <a:xfrm>
+            <a:off x="379413" y="1388226"/>
+            <a:ext cx="11525250" cy="5290388"/>
+          </a:xfrm>
+        </p:spPr>
+        <p:txBody>
+          <a:bodyPr/>
+          <a:lstStyle/>
+          <a:p>
+            <a:r>
+              <a:rPr lang="en-US" dirty="0" smtClean="0"/>
+              <a:t>Using </a:t>
+            </a:r>
+            <a:r>
               <a:rPr lang="en-US" dirty="0" err="1" smtClean="0"/>
-              <a:t>MongoDB</a:t>
-            </a:r>
-            <a:r>
-              <a:rPr lang="en-US" dirty="0" smtClean="0"/>
-              <a:t> Database Organization</a:t>
+              <a:t>mongoimport</a:t>
+            </a:r>
+            <a:endParaRPr lang="en-US" dirty="0" smtClean="0"/>
+          </a:p>
+          <a:p>
+            <a:r>
+              <a:rPr lang="en-US" dirty="0" smtClean="0"/>
+              <a:t>Load bulk data from CSV or JSON </a:t>
+            </a:r>
+            <a:r>
+              <a:rPr lang="en-US" dirty="0" smtClean="0"/>
+              <a:t>files</a:t>
+            </a:r>
+            <a:endParaRPr lang="en-US" dirty="0" smtClean="0"/>
+          </a:p>
+          <a:p>
+            <a:r>
+              <a:rPr lang="en-US" dirty="0" smtClean="0"/>
+              <a:t>Fastest way to load data into </a:t>
+            </a:r>
+            <a:r>
+              <a:rPr lang="en-US" dirty="0" err="1" smtClean="0"/>
+              <a:t>mongodb</a:t>
+            </a:r>
+            <a:r>
+              <a:rPr lang="en-US" dirty="0" smtClean="0"/>
+              <a:t> without having to write code</a:t>
             </a:r>
             <a:endParaRPr lang="en-US" dirty="0"/>
           </a:p>
@@ -4043,7 +4055,7 @@
     </p:spTree>
     <p:extLst>
       <p:ext uri="{BB962C8B-B14F-4D97-AF65-F5344CB8AC3E}">
-        <p14:creationId xmlns:p14="http://schemas.microsoft.com/office/powerpoint/2010/main" val="1838779946"/>
+        <p14:creationId xmlns:p14="http://schemas.microsoft.com/office/powerpoint/2010/main" val="1237817747"/>
       </p:ext>
     </p:extLst>
   </p:cSld>
@@ -4079,7 +4091,7 @@
       </p:grpSpPr>
       <p:sp>
         <p:nvSpPr>
-          <p:cNvPr id="3" name="Title 2"/>
+          <p:cNvPr id="2" name="Title 1"/>
           <p:cNvSpPr>
             <a:spLocks noGrp="1"/>
           </p:cNvSpPr>
@@ -4093,73 +4105,12 @@
           <a:lstStyle/>
           <a:p>
             <a:r>
-              <a:rPr lang="en-US" dirty="0" smtClean="0"/>
-              <a:t>Loading Test Data</a:t>
-            </a:r>
-            <a:endParaRPr lang="en-US" dirty="0"/>
-          </a:p>
-        </p:txBody>
-      </p:sp>
-      <p:sp>
-        <p:nvSpPr>
-          <p:cNvPr id="4" name="Content Placeholder 2"/>
-          <p:cNvSpPr>
-            <a:spLocks noGrp="1"/>
-          </p:cNvSpPr>
-          <p:nvPr>
-            <p:ph sz="quarter" idx="10"/>
-          </p:nvPr>
-        </p:nvSpPr>
-        <p:spPr>
-          <a:xfrm>
-            <a:off x="379413" y="1388226"/>
-            <a:ext cx="11525250" cy="5290388"/>
-          </a:xfrm>
-        </p:spPr>
-        <p:txBody>
-          <a:bodyPr/>
-          <a:lstStyle/>
-          <a:p>
-            <a:r>
-              <a:rPr lang="en-US" dirty="0" smtClean="0"/>
-              <a:t>Using </a:t>
-            </a:r>
-            <a:r>
-              <a:rPr lang="en-US" dirty="0" err="1" smtClean="0"/>
-              <a:t>mongoimport</a:t>
-            </a:r>
-            <a:endParaRPr lang="en-US" dirty="0"/>
-          </a:p>
-          <a:p>
-            <a:endParaRPr lang="en-US" dirty="0" smtClean="0"/>
-          </a:p>
-          <a:p>
-            <a:endParaRPr lang="en-US" dirty="0" smtClean="0"/>
-          </a:p>
-          <a:p>
-            <a:r>
-              <a:rPr lang="en-US" dirty="0" smtClean="0"/>
-              <a:t>Load bulk data from CSV or JSON files</a:t>
-            </a:r>
-          </a:p>
-          <a:p>
-            <a:endParaRPr lang="en-US" dirty="0"/>
-          </a:p>
-          <a:p>
-            <a:endParaRPr lang="en-US" dirty="0" smtClean="0"/>
-          </a:p>
-          <a:p>
-            <a:r>
-              <a:rPr lang="en-US" dirty="0" smtClean="0"/>
-              <a:t>Fastest way to load data into </a:t>
-            </a:r>
-            <a:r>
-              <a:rPr lang="en-US" dirty="0" err="1" smtClean="0"/>
-              <a:t>mongodb</a:t>
-            </a:r>
-            <a:r>
-              <a:rPr lang="en-US" dirty="0" smtClean="0"/>
-              <a:t> without having to write code</a:t>
+              <a:rPr lang="en-US" dirty="0"/>
+              <a:t>The Interactive Shell &amp; Queries Part </a:t>
+            </a:r>
+            <a:r>
+              <a:rPr lang="en-US" dirty="0" smtClean="0"/>
+              <a:t>I</a:t>
             </a:r>
             <a:endParaRPr lang="en-US" dirty="0"/>
           </a:p>
@@ -4168,7 +4119,7 @@
     </p:spTree>
     <p:extLst>
       <p:ext uri="{BB962C8B-B14F-4D97-AF65-F5344CB8AC3E}">
-        <p14:creationId xmlns:p14="http://schemas.microsoft.com/office/powerpoint/2010/main" val="1237817747"/>
+        <p14:creationId xmlns:p14="http://schemas.microsoft.com/office/powerpoint/2010/main" val="2059812663"/>
       </p:ext>
     </p:extLst>
   </p:cSld>
@@ -4214,16 +4165,71 @@
         </p:nvSpPr>
         <p:spPr/>
         <p:txBody>
+          <a:bodyPr>
+            <a:normAutofit/>
+          </a:bodyPr>
+          <a:lstStyle/>
+          <a:p>
+            <a:r>
+              <a:rPr lang="en-US" dirty="0" smtClean="0"/>
+              <a:t>The </a:t>
+            </a:r>
+            <a:r>
+              <a:rPr lang="en-US" dirty="0" err="1" smtClean="0"/>
+              <a:t>MongoDB</a:t>
+            </a:r>
+            <a:r>
+              <a:rPr lang="en-US" dirty="0" smtClean="0"/>
+              <a:t> Interactive Shell</a:t>
+            </a:r>
+            <a:endParaRPr lang="en-US" dirty="0"/>
+          </a:p>
+        </p:txBody>
+      </p:sp>
+      <p:sp>
+        <p:nvSpPr>
+          <p:cNvPr id="3" name="Content Placeholder 2"/>
+          <p:cNvSpPr>
+            <a:spLocks noGrp="1"/>
+          </p:cNvSpPr>
+          <p:nvPr>
+            <p:ph sz="quarter" idx="10"/>
+          </p:nvPr>
+        </p:nvSpPr>
+        <p:spPr/>
+        <p:txBody>
           <a:bodyPr/>
           <a:lstStyle/>
           <a:p>
             <a:r>
+              <a:rPr lang="en-US" dirty="0" smtClean="0"/>
+              <a:t>Used to directly administer MongoDB</a:t>
+            </a:r>
+            <a:r>
               <a:rPr lang="en-US" dirty="0"/>
-              <a:t>The Interactive Shell &amp; Queries Part </a:t>
-            </a:r>
-            <a:r>
-              <a:rPr lang="en-US" dirty="0" smtClean="0"/>
-              <a:t>I</a:t>
+              <a:t> </a:t>
+            </a:r>
+            <a:r>
+              <a:rPr lang="en-US" dirty="0" smtClean="0"/>
+              <a:t>servers</a:t>
+            </a:r>
+            <a:endParaRPr lang="en-US" dirty="0"/>
+          </a:p>
+          <a:p>
+            <a:r>
+              <a:rPr lang="en-US" dirty="0" smtClean="0"/>
+              <a:t>Test out new </a:t>
+            </a:r>
+            <a:r>
+              <a:rPr lang="en-US" dirty="0" smtClean="0"/>
+              <a:t>queries</a:t>
+            </a:r>
+            <a:endParaRPr lang="en-US" dirty="0" smtClean="0"/>
+          </a:p>
+          <a:p>
+            <a:r>
+              <a:rPr lang="en-US" dirty="0" smtClean="0"/>
+              <a:t>Its a lot like a JavaScript interactive shell</a:t>
             </a:r>
             <a:endParaRPr lang="en-US" dirty="0"/>
           </a:p>
@@ -4232,7 +4238,7 @@
     </p:spTree>
     <p:extLst>
       <p:ext uri="{BB962C8B-B14F-4D97-AF65-F5344CB8AC3E}">
-        <p14:creationId xmlns:p14="http://schemas.microsoft.com/office/powerpoint/2010/main" val="2059812663"/>
+        <p14:creationId xmlns:p14="http://schemas.microsoft.com/office/powerpoint/2010/main" val="3346517812"/>
       </p:ext>
     </p:extLst>
   </p:cSld>
@@ -4279,22 +4285,17 @@
         <p:spPr/>
         <p:txBody>
           <a:bodyPr>
-            <a:normAutofit/>
+            <a:normAutofit fontScale="90000"/>
           </a:bodyPr>
           <a:lstStyle/>
           <a:p>
             <a:r>
-              <a:rPr lang="en-US" dirty="0" smtClean="0"/>
-              <a:t>The </a:t>
-            </a:r>
-            <a:r>
-              <a:rPr lang="en-US" dirty="0" err="1" smtClean="0"/>
-              <a:t>MongoDB</a:t>
-            </a:r>
-            <a:r>
-              <a:rPr lang="en-US" dirty="0" smtClean="0"/>
-              <a:t> Interactive Shell</a:t>
-            </a:r>
+              <a:rPr lang="en-US" b="1" dirty="0"/>
+              <a:t>Collections</a:t>
+            </a:r>
+            <a:br>
+              <a:rPr lang="en-US" b="1" dirty="0"/>
+            </a:br>
             <a:endParaRPr lang="en-US" dirty="0"/>
           </a:p>
         </p:txBody>
@@ -4315,44 +4316,38 @@
           <a:lstStyle/>
           <a:p>
             <a:r>
-              <a:rPr lang="en-US" dirty="0" smtClean="0"/>
-              <a:t>Used to directly administer </a:t>
-            </a:r>
-            <a:r>
-              <a:rPr lang="en-US" dirty="0" err="1" smtClean="0"/>
-              <a:t>MongoDB</a:t>
-            </a:r>
-            <a:r>
               <a:rPr lang="en-US" dirty="0"/>
-              <a:t> </a:t>
-            </a:r>
-            <a:r>
-              <a:rPr lang="en-US" dirty="0" smtClean="0"/>
-              <a:t>servers</a:t>
-            </a:r>
-          </a:p>
-          <a:p>
+              <a:t>C</a:t>
+            </a:r>
+            <a:r>
+              <a:rPr lang="en-US" dirty="0" smtClean="0"/>
+              <a:t>ontainers </a:t>
+            </a:r>
+            <a:r>
+              <a:rPr lang="en-US" dirty="0"/>
+              <a:t>for a group of </a:t>
+            </a:r>
+            <a:r>
+              <a:rPr lang="en-US" dirty="0" smtClean="0"/>
+              <a:t>Documents</a:t>
+            </a:r>
             <a:endParaRPr lang="en-US" dirty="0" smtClean="0"/>
           </a:p>
           <a:p>
+            <a:r>
+              <a:rPr lang="en-US" dirty="0" smtClean="0"/>
+              <a:t>Databases contain many of </a:t>
+            </a:r>
+            <a:r>
+              <a:rPr lang="en-US" dirty="0" smtClean="0"/>
+              <a:t>these</a:t>
+            </a:r>
             <a:endParaRPr lang="en-US" dirty="0"/>
           </a:p>
           <a:p>
             <a:r>
               <a:rPr lang="en-US" dirty="0" smtClean="0"/>
-              <a:t>Test out new queries</a:t>
-            </a:r>
-          </a:p>
-          <a:p>
-            <a:endParaRPr lang="en-US" dirty="0"/>
-          </a:p>
-          <a:p>
-            <a:endParaRPr lang="en-US" dirty="0" smtClean="0"/>
-          </a:p>
-          <a:p>
-            <a:r>
-              <a:rPr lang="en-US" dirty="0" smtClean="0"/>
-              <a:t>Its a lot like a JavaScript interactive shell</a:t>
+              <a:t>Akin to a ‘Table’ in a SQL Database</a:t>
             </a:r>
             <a:endParaRPr lang="en-US" dirty="0"/>
           </a:p>
@@ -4361,7 +4356,7 @@
     </p:spTree>
     <p:extLst>
       <p:ext uri="{BB962C8B-B14F-4D97-AF65-F5344CB8AC3E}">
-        <p14:creationId xmlns:p14="http://schemas.microsoft.com/office/powerpoint/2010/main" val="3346517812"/>
+        <p14:creationId xmlns:p14="http://schemas.microsoft.com/office/powerpoint/2010/main" val="2582920082"/>
       </p:ext>
     </p:extLst>
   </p:cSld>
@@ -4407,88 +4402,64 @@
         </p:nvSpPr>
         <p:spPr/>
         <p:txBody>
-          <a:bodyPr>
-            <a:normAutofit fontScale="90000"/>
-          </a:bodyPr>
-          <a:lstStyle/>
-          <a:p>
-            <a:r>
-              <a:rPr lang="en-US" b="1" dirty="0"/>
-              <a:t>Collections</a:t>
-            </a:r>
-            <a:br>
-              <a:rPr lang="en-US" b="1" dirty="0"/>
-            </a:br>
-            <a:endParaRPr lang="en-US" dirty="0"/>
-          </a:p>
-        </p:txBody>
-      </p:sp>
-      <p:sp>
-        <p:nvSpPr>
-          <p:cNvPr id="3" name="Content Placeholder 2"/>
-          <p:cNvSpPr>
-            <a:spLocks noGrp="1"/>
-          </p:cNvSpPr>
-          <p:nvPr>
-            <p:ph sz="quarter" idx="10"/>
-          </p:nvPr>
-        </p:nvSpPr>
-        <p:spPr/>
-        <p:txBody>
           <a:bodyPr/>
           <a:lstStyle/>
           <a:p>
             <a:r>
-              <a:rPr lang="en-US" dirty="0"/>
-              <a:t>C</a:t>
-            </a:r>
-            <a:r>
-              <a:rPr lang="en-US" dirty="0" smtClean="0"/>
-              <a:t>ontainers </a:t>
-            </a:r>
-            <a:r>
-              <a:rPr lang="en-US" dirty="0"/>
-              <a:t>for a group of </a:t>
-            </a:r>
-            <a:r>
-              <a:rPr lang="en-US" dirty="0" smtClean="0"/>
-              <a:t>Documents</a:t>
-            </a:r>
-          </a:p>
-          <a:p>
+              <a:rPr lang="en-US" b="1" dirty="0"/>
+              <a:t>Queries</a:t>
+            </a:r>
+          </a:p>
+        </p:txBody>
+      </p:sp>
+      <p:sp>
+        <p:nvSpPr>
+          <p:cNvPr id="3" name="Content Placeholder 2"/>
+          <p:cNvSpPr>
+            <a:spLocks noGrp="1"/>
+          </p:cNvSpPr>
+          <p:nvPr>
+            <p:ph sz="quarter" idx="10"/>
+          </p:nvPr>
+        </p:nvSpPr>
+        <p:spPr/>
+        <p:txBody>
+          <a:bodyPr/>
+          <a:lstStyle/>
+          <a:p>
+            <a:r>
+              <a:rPr lang="en-US" dirty="0" smtClean="0"/>
+              <a:t>Use a Query Object to Fetch Requested </a:t>
+            </a:r>
+            <a:r>
+              <a:rPr lang="en-US" dirty="0" smtClean="0"/>
+              <a:t>Data</a:t>
+            </a:r>
+            <a:endParaRPr lang="en-US" dirty="0"/>
+          </a:p>
+          <a:p>
+            <a:r>
+              <a:rPr lang="en-US" dirty="0" smtClean="0"/>
+              <a:t>Resembles objects already in the </a:t>
+            </a:r>
+            <a:r>
+              <a:rPr lang="en-US" dirty="0" smtClean="0"/>
+              <a:t>database</a:t>
+            </a:r>
             <a:endParaRPr lang="en-US" dirty="0" smtClean="0"/>
           </a:p>
           <a:p>
-            <a:endParaRPr lang="en-US" dirty="0" smtClean="0"/>
-          </a:p>
-          <a:p>
-            <a:r>
-              <a:rPr lang="en-US" dirty="0" smtClean="0"/>
-              <a:t>Databases contain many of these</a:t>
-            </a:r>
-          </a:p>
-          <a:p>
-            <a:pPr marL="0" indent="0">
-              <a:buNone/>
-            </a:pPr>
-            <a:endParaRPr lang="en-US" dirty="0"/>
-          </a:p>
-          <a:p>
-            <a:endParaRPr lang="en-US" dirty="0"/>
-          </a:p>
-          <a:p>
-            <a:r>
-              <a:rPr lang="en-US" dirty="0" smtClean="0"/>
-              <a:t>Akin to a ‘Table’ in a SQL Database</a:t>
-            </a:r>
-            <a:endParaRPr lang="en-US" dirty="0"/>
+            <a:r>
+              <a:rPr lang="en-US" dirty="0" smtClean="0"/>
+              <a:t>Can also be used to Update or Delete data</a:t>
+            </a:r>
           </a:p>
         </p:txBody>
       </p:sp>
     </p:spTree>
     <p:extLst>
       <p:ext uri="{BB962C8B-B14F-4D97-AF65-F5344CB8AC3E}">
-        <p14:creationId xmlns:p14="http://schemas.microsoft.com/office/powerpoint/2010/main" val="2582920082"/>
+        <p14:creationId xmlns:p14="http://schemas.microsoft.com/office/powerpoint/2010/main" val="2246935486"/>
       </p:ext>
     </p:extLst>
   </p:cSld>
@@ -4538,9 +4509,10 @@
           <a:lstStyle/>
           <a:p>
             <a:r>
-              <a:rPr lang="en-US" b="1" dirty="0"/>
-              <a:t>Queries</a:t>
-            </a:r>
+              <a:rPr lang="en-US" dirty="0" smtClean="0"/>
+              <a:t>Projections</a:t>
+            </a:r>
+            <a:endParaRPr lang="en-US" dirty="0"/>
           </a:p>
         </p:txBody>
       </p:sp>
@@ -4561,39 +4533,38 @@
           <a:p>
             <a:r>
               <a:rPr lang="en-US" dirty="0" smtClean="0"/>
-              <a:t>Use a Query Object to Fetch Requested Data</a:t>
-            </a:r>
-          </a:p>
-          <a:p>
+              <a:t>Used to filter the data you </a:t>
+            </a:r>
+            <a:r>
+              <a:rPr lang="en-US" dirty="0" smtClean="0"/>
+              <a:t>want</a:t>
+            </a:r>
             <a:endParaRPr lang="en-US" dirty="0" smtClean="0"/>
           </a:p>
           <a:p>
+            <a:r>
+              <a:rPr lang="en-US" dirty="0" smtClean="0"/>
+              <a:t>Similar to what SELECT does in a SQL </a:t>
+            </a:r>
+            <a:r>
+              <a:rPr lang="en-US" dirty="0" smtClean="0"/>
+              <a:t>Query</a:t>
+            </a:r>
+            <a:endParaRPr lang="en-US" dirty="0" smtClean="0"/>
+          </a:p>
+          <a:p>
+            <a:r>
+              <a:rPr lang="en-US" dirty="0" smtClean="0"/>
+              <a:t>Takes similar form of Query objects </a:t>
+            </a:r>
             <a:endParaRPr lang="en-US" dirty="0"/>
-          </a:p>
-          <a:p>
-            <a:r>
-              <a:rPr lang="en-US" dirty="0" smtClean="0"/>
-              <a:t>Resembles objects already in the database</a:t>
-            </a:r>
-          </a:p>
-          <a:p>
-            <a:endParaRPr lang="en-US" dirty="0"/>
-          </a:p>
-          <a:p>
-            <a:endParaRPr lang="en-US" dirty="0" smtClean="0"/>
-          </a:p>
-          <a:p>
-            <a:r>
-              <a:rPr lang="en-US" dirty="0" smtClean="0"/>
-              <a:t>Can also be used to Update or Delete data</a:t>
-            </a:r>
           </a:p>
         </p:txBody>
       </p:sp>
     </p:spTree>
     <p:extLst>
       <p:ext uri="{BB962C8B-B14F-4D97-AF65-F5344CB8AC3E}">
-        <p14:creationId xmlns:p14="http://schemas.microsoft.com/office/powerpoint/2010/main" val="2246935486"/>
+        <p14:creationId xmlns:p14="http://schemas.microsoft.com/office/powerpoint/2010/main" val="81603413"/>
       </p:ext>
     </p:extLst>
   </p:cSld>
@@ -4629,7 +4600,40 @@
       </p:grpSpPr>
       <p:sp>
         <p:nvSpPr>
-          <p:cNvPr id="2" name="Title 1"/>
+          <p:cNvPr id="6" name="Rectangle 5"/>
+          <p:cNvSpPr/>
+          <p:nvPr/>
+        </p:nvSpPr>
+        <p:spPr>
+          <a:xfrm>
+            <a:off x="2639612" y="3044279"/>
+            <a:ext cx="6912776" cy="769441"/>
+          </a:xfrm>
+          <a:prstGeom prst="rect">
+            <a:avLst/>
+          </a:prstGeom>
+        </p:spPr>
+        <p:txBody>
+          <a:bodyPr wrap="square">
+            <a:spAutoFit/>
+          </a:bodyPr>
+          <a:lstStyle/>
+          <a:p>
+            <a:pPr algn="ctr"/>
+            <a:r>
+              <a:rPr lang="en-US" sz="4400" dirty="0" smtClean="0">
+                <a:solidFill>
+                  <a:schemeClr val="bg1"/>
+                </a:solidFill>
+              </a:rPr>
+              <a:t>DEMO</a:t>
+            </a:r>
+          </a:p>
+        </p:txBody>
+      </p:sp>
+      <p:sp>
+        <p:nvSpPr>
+          <p:cNvPr id="5" name="Title 4"/>
           <p:cNvSpPr>
             <a:spLocks noGrp="1"/>
           </p:cNvSpPr>
@@ -4644,63 +4648,16 @@
           <a:p>
             <a:r>
               <a:rPr lang="en-US" dirty="0" smtClean="0"/>
-              <a:t>Projections</a:t>
-            </a:r>
-            <a:endParaRPr lang="en-US" dirty="0"/>
-          </a:p>
-        </p:txBody>
-      </p:sp>
-      <p:sp>
-        <p:nvSpPr>
-          <p:cNvPr id="3" name="Content Placeholder 2"/>
-          <p:cNvSpPr>
-            <a:spLocks noGrp="1"/>
-          </p:cNvSpPr>
-          <p:nvPr>
-            <p:ph sz="quarter" idx="10"/>
-          </p:nvPr>
-        </p:nvSpPr>
-        <p:spPr/>
-        <p:txBody>
-          <a:bodyPr/>
-          <a:lstStyle/>
-          <a:p>
-            <a:r>
-              <a:rPr lang="en-US" dirty="0" smtClean="0"/>
-              <a:t>Used to filter the data you want</a:t>
-            </a:r>
-          </a:p>
-          <a:p>
-            <a:endParaRPr lang="en-US" dirty="0"/>
-          </a:p>
-          <a:p>
+              <a:t>Add MongoDB to your Node Project</a:t>
+            </a:r>
             <a:endParaRPr lang="en-US" dirty="0" smtClean="0"/>
-          </a:p>
-          <a:p>
-            <a:r>
-              <a:rPr lang="en-US" dirty="0" smtClean="0"/>
-              <a:t>Similar to what SELECT does in a SQL Query</a:t>
-            </a:r>
-          </a:p>
-          <a:p>
-            <a:endParaRPr lang="en-US" dirty="0"/>
-          </a:p>
-          <a:p>
-            <a:endParaRPr lang="en-US" dirty="0" smtClean="0"/>
-          </a:p>
-          <a:p>
-            <a:r>
-              <a:rPr lang="en-US" dirty="0" smtClean="0"/>
-              <a:t>Takes similar form of Query objects </a:t>
-            </a:r>
-            <a:endParaRPr lang="en-US" dirty="0"/>
           </a:p>
         </p:txBody>
       </p:sp>
     </p:spTree>
     <p:extLst>
       <p:ext uri="{BB962C8B-B14F-4D97-AF65-F5344CB8AC3E}">
-        <p14:creationId xmlns:p14="http://schemas.microsoft.com/office/powerpoint/2010/main" val="81603413"/>
+        <p14:creationId xmlns:p14="http://schemas.microsoft.com/office/powerpoint/2010/main" val="2284956281"/>
       </p:ext>
     </p:extLst>
   </p:cSld>
@@ -4736,88 +4693,71 @@
       </p:grpSpPr>
       <p:sp>
         <p:nvSpPr>
-          <p:cNvPr id="2" name="Title 1"/>
-          <p:cNvSpPr>
-            <a:spLocks noGrp="1"/>
-          </p:cNvSpPr>
-          <p:nvPr>
-            <p:ph type="title"/>
-          </p:nvPr>
+          <p:cNvPr id="6" name="Rectangle 5"/>
+          <p:cNvSpPr/>
+          <p:nvPr/>
         </p:nvSpPr>
         <p:spPr>
           <a:xfrm>
-            <a:off x="380231" y="154783"/>
-            <a:ext cx="11524432" cy="1063487"/>
+            <a:off x="2639612" y="3044279"/>
+            <a:ext cx="6912776" cy="769441"/>
           </a:xfrm>
+          <a:prstGeom prst="rect">
+            <a:avLst/>
+          </a:prstGeom>
         </p:spPr>
+        <p:txBody>
+          <a:bodyPr wrap="square">
+            <a:spAutoFit/>
+          </a:bodyPr>
+          <a:lstStyle/>
+          <a:p>
+            <a:pPr algn="ctr"/>
+            <a:r>
+              <a:rPr lang="en-US" sz="4400" dirty="0" smtClean="0">
+                <a:solidFill>
+                  <a:schemeClr val="bg1"/>
+                </a:solidFill>
+              </a:rPr>
+              <a:t>DEMO</a:t>
+            </a:r>
+          </a:p>
+        </p:txBody>
+      </p:sp>
+      <p:sp>
+        <p:nvSpPr>
+          <p:cNvPr id="2" name="Title 1"/>
+          <p:cNvSpPr>
+            <a:spLocks noGrp="1"/>
+          </p:cNvSpPr>
+          <p:nvPr>
+            <p:ph type="title"/>
+          </p:nvPr>
+        </p:nvSpPr>
+        <p:spPr/>
         <p:txBody>
           <a:bodyPr/>
           <a:lstStyle/>
           <a:p>
             <a:r>
               <a:rPr lang="en-US" dirty="0" smtClean="0"/>
-              <a:t>Module Overview</a:t>
-            </a:r>
+              <a:t>Create </a:t>
+            </a:r>
+            <a:r>
+              <a:rPr lang="en-US" dirty="0"/>
+              <a:t>and Update Documents</a:t>
+            </a:r>
+            <a:br>
+              <a:rPr lang="en-US" dirty="0"/>
+            </a:br>
             <a:endParaRPr lang="en-US" dirty="0"/>
-          </a:p>
-        </p:txBody>
-      </p:sp>
-      <p:sp>
-        <p:nvSpPr>
-          <p:cNvPr id="3" name="Content Placeholder 2"/>
-          <p:cNvSpPr>
-            <a:spLocks noGrp="1"/>
-          </p:cNvSpPr>
-          <p:nvPr>
-            <p:ph sz="quarter" idx="10"/>
-          </p:nvPr>
-        </p:nvSpPr>
-        <p:spPr/>
-        <p:txBody>
-          <a:bodyPr/>
-          <a:lstStyle/>
-          <a:p>
-            <a:r>
-              <a:rPr lang="en-US" dirty="0" smtClean="0"/>
-              <a:t>$and &amp; $or Logical Operators</a:t>
-            </a:r>
-          </a:p>
-          <a:p>
-            <a:endParaRPr lang="en-US" dirty="0"/>
-          </a:p>
-          <a:p>
-            <a:endParaRPr lang="en-US" dirty="0" smtClean="0"/>
-          </a:p>
-          <a:p>
-            <a:endParaRPr lang="en-US" dirty="0" smtClean="0"/>
-          </a:p>
-          <a:p>
-            <a:r>
-              <a:rPr lang="en-US" dirty="0" smtClean="0"/>
-              <a:t>Comparison, Sorting and the $</a:t>
-            </a:r>
-            <a:r>
-              <a:rPr lang="en-US" dirty="0" err="1" smtClean="0"/>
-              <a:t>elemMatch</a:t>
-            </a:r>
-            <a:r>
-              <a:rPr lang="en-US" dirty="0" smtClean="0"/>
-              <a:t> operators</a:t>
-            </a:r>
-            <a:endParaRPr lang="en-US" dirty="0"/>
-          </a:p>
-          <a:p>
-            <a:pPr marL="0" indent="0">
-              <a:buNone/>
-            </a:pPr>
-            <a:endParaRPr lang="en-US" dirty="0" smtClean="0"/>
           </a:p>
         </p:txBody>
       </p:sp>
     </p:spTree>
     <p:extLst>
       <p:ext uri="{BB962C8B-B14F-4D97-AF65-F5344CB8AC3E}">
-        <p14:creationId xmlns:p14="http://schemas.microsoft.com/office/powerpoint/2010/main" val="1687086095"/>
+        <p14:creationId xmlns:p14="http://schemas.microsoft.com/office/powerpoint/2010/main" val="1567624447"/>
       </p:ext>
     </p:extLst>
   </p:cSld>
@@ -4886,7 +4826,7 @@
       </p:sp>
       <p:sp>
         <p:nvSpPr>
-          <p:cNvPr id="5" name="Title 4"/>
+          <p:cNvPr id="2" name="Title 1"/>
           <p:cNvSpPr>
             <a:spLocks noGrp="1"/>
           </p:cNvSpPr>
@@ -4901,7 +4841,15 @@
           <a:p>
             <a:r>
               <a:rPr lang="en-US" dirty="0" smtClean="0"/>
-              <a:t>Getting Started</a:t>
+              <a:t>Reading </a:t>
+            </a:r>
+            <a:r>
+              <a:rPr lang="en-US" dirty="0"/>
+              <a:t>&amp; Deleting </a:t>
+            </a:r>
+            <a:r>
+              <a:rPr lang="en-US" dirty="0" smtClean="0"/>
+              <a:t>Documents</a:t>
             </a:r>
             <a:endParaRPr lang="en-US" dirty="0"/>
           </a:p>
@@ -4910,7 +4858,7 @@
     </p:spTree>
     <p:extLst>
       <p:ext uri="{BB962C8B-B14F-4D97-AF65-F5344CB8AC3E}">
-        <p14:creationId xmlns:p14="http://schemas.microsoft.com/office/powerpoint/2010/main" val="2284956281"/>
+        <p14:creationId xmlns:p14="http://schemas.microsoft.com/office/powerpoint/2010/main" val="1308545401"/>
       </p:ext>
     </p:extLst>
   </p:cSld>
@@ -4946,39 +4894,6 @@
       </p:grpSpPr>
       <p:sp>
         <p:nvSpPr>
-          <p:cNvPr id="6" name="Rectangle 5"/>
-          <p:cNvSpPr/>
-          <p:nvPr/>
-        </p:nvSpPr>
-        <p:spPr>
-          <a:xfrm>
-            <a:off x="2639612" y="3044279"/>
-            <a:ext cx="6912776" cy="769441"/>
-          </a:xfrm>
-          <a:prstGeom prst="rect">
-            <a:avLst/>
-          </a:prstGeom>
-        </p:spPr>
-        <p:txBody>
-          <a:bodyPr wrap="square">
-            <a:spAutoFit/>
-          </a:bodyPr>
-          <a:lstStyle/>
-          <a:p>
-            <a:pPr algn="ctr"/>
-            <a:r>
-              <a:rPr lang="en-US" sz="4400" dirty="0" smtClean="0">
-                <a:solidFill>
-                  <a:schemeClr val="bg1"/>
-                </a:solidFill>
-              </a:rPr>
-              <a:t>DEMO</a:t>
-            </a:r>
-          </a:p>
-        </p:txBody>
-      </p:sp>
-      <p:sp>
-        <p:nvSpPr>
           <p:cNvPr id="2" name="Title 1"/>
           <p:cNvSpPr>
             <a:spLocks noGrp="1"/>
@@ -4994,15 +4909,8 @@
           <a:p>
             <a:r>
               <a:rPr lang="en-US" dirty="0" smtClean="0"/>
-              <a:t>Create </a:t>
-            </a:r>
-            <a:r>
-              <a:rPr lang="en-US" dirty="0"/>
-              <a:t>and Update Documents</a:t>
-            </a:r>
-            <a:br>
-              <a:rPr lang="en-US" dirty="0"/>
-            </a:br>
+              <a:t>Mongoose Package</a:t>
+            </a:r>
             <a:endParaRPr lang="en-US" dirty="0"/>
           </a:p>
         </p:txBody>
@@ -5010,20 +4918,13 @@
     </p:spTree>
     <p:extLst>
       <p:ext uri="{BB962C8B-B14F-4D97-AF65-F5344CB8AC3E}">
-        <p14:creationId xmlns:p14="http://schemas.microsoft.com/office/powerpoint/2010/main" val="1567624447"/>
+        <p14:creationId xmlns:p14="http://schemas.microsoft.com/office/powerpoint/2010/main" val="572400895"/>
       </p:ext>
     </p:extLst>
   </p:cSld>
   <p:clrMapOvr>
     <a:masterClrMapping/>
   </p:clrMapOvr>
-  <p:timing>
-    <p:tnLst>
-      <p:par>
-        <p:cTn id="1" dur="indefinite" restart="never" nodeType="tmRoot"/>
-      </p:par>
-    </p:tnLst>
-  </p:timing>
 </p:sld>
 </file>
 
@@ -5128,107 +5029,6 @@
 </file>
 
 <file path=ppt/slides/slide20.xml><?xml version="1.0" encoding="utf-8"?>
-<p:sld xmlns:a="http://schemas.openxmlformats.org/drawingml/2006/main" xmlns:r="http://schemas.openxmlformats.org/officeDocument/2006/relationships" xmlns:p="http://schemas.openxmlformats.org/presentationml/2006/main">
-  <p:cSld>
-    <p:spTree>
-      <p:nvGrpSpPr>
-        <p:cNvPr id="1" name=""/>
-        <p:cNvGrpSpPr/>
-        <p:nvPr/>
-      </p:nvGrpSpPr>
-      <p:grpSpPr>
-        <a:xfrm>
-          <a:off x="0" y="0"/>
-          <a:ext cx="0" cy="0"/>
-          <a:chOff x="0" y="0"/>
-          <a:chExt cx="0" cy="0"/>
-        </a:xfrm>
-      </p:grpSpPr>
-      <p:sp>
-        <p:nvSpPr>
-          <p:cNvPr id="6" name="Rectangle 5"/>
-          <p:cNvSpPr/>
-          <p:nvPr/>
-        </p:nvSpPr>
-        <p:spPr>
-          <a:xfrm>
-            <a:off x="2639612" y="3044279"/>
-            <a:ext cx="6912776" cy="769441"/>
-          </a:xfrm>
-          <a:prstGeom prst="rect">
-            <a:avLst/>
-          </a:prstGeom>
-        </p:spPr>
-        <p:txBody>
-          <a:bodyPr wrap="square">
-            <a:spAutoFit/>
-          </a:bodyPr>
-          <a:lstStyle/>
-          <a:p>
-            <a:pPr algn="ctr"/>
-            <a:r>
-              <a:rPr lang="en-US" sz="4400" dirty="0" smtClean="0">
-                <a:solidFill>
-                  <a:schemeClr val="bg1"/>
-                </a:solidFill>
-              </a:rPr>
-              <a:t>DEMO</a:t>
-            </a:r>
-          </a:p>
-        </p:txBody>
-      </p:sp>
-      <p:sp>
-        <p:nvSpPr>
-          <p:cNvPr id="2" name="Title 1"/>
-          <p:cNvSpPr>
-            <a:spLocks noGrp="1"/>
-          </p:cNvSpPr>
-          <p:nvPr>
-            <p:ph type="title"/>
-          </p:nvPr>
-        </p:nvSpPr>
-        <p:spPr/>
-        <p:txBody>
-          <a:bodyPr/>
-          <a:lstStyle/>
-          <a:p>
-            <a:r>
-              <a:rPr lang="en-US" dirty="0" smtClean="0"/>
-              <a:t>Reading </a:t>
-            </a:r>
-            <a:r>
-              <a:rPr lang="en-US" dirty="0"/>
-              <a:t>&amp; Deleting </a:t>
-            </a:r>
-            <a:r>
-              <a:rPr lang="en-US" dirty="0" smtClean="0"/>
-              <a:t>Documents</a:t>
-            </a:r>
-            <a:endParaRPr lang="en-US" dirty="0"/>
-          </a:p>
-        </p:txBody>
-      </p:sp>
-    </p:spTree>
-    <p:extLst>
-      <p:ext uri="{BB962C8B-B14F-4D97-AF65-F5344CB8AC3E}">
-        <p14:creationId xmlns:p14="http://schemas.microsoft.com/office/powerpoint/2010/main" val="1308545401"/>
-      </p:ext>
-    </p:extLst>
-  </p:cSld>
-  <p:clrMapOvr>
-    <a:masterClrMapping/>
-  </p:clrMapOvr>
-  <p:timing>
-    <p:tnLst>
-      <p:par>
-        <p:cTn id="1" dur="indefinite" restart="never" nodeType="tmRoot"/>
-      </p:par>
-    </p:tnLst>
-  </p:timing>
-</p:sld>
-</file>
-
-<file path=ppt/slides/slide21.xml><?xml version="1.0" encoding="utf-8"?>
 <p:sld xmlns:a="http://schemas.openxmlformats.org/drawingml/2006/main" xmlns:r="http://schemas.openxmlformats.org/officeDocument/2006/relationships" xmlns:p="http://schemas.openxmlformats.org/presentationml/2006/main">
   <p:cSld>
     <p:spTree>
@@ -5811,7 +5611,7 @@
 </file>
 
 <file path=ppt/slides/slide7.xml><?xml version="1.0" encoding="utf-8"?>
-<p:sld xmlns:a="http://schemas.openxmlformats.org/drawingml/2006/main" xmlns:r="http://schemas.openxmlformats.org/officeDocument/2006/relationships" xmlns:p="http://schemas.openxmlformats.org/presentationml/2006/main" show="0">
+<p:sld xmlns:a="http://schemas.openxmlformats.org/drawingml/2006/main" xmlns:r="http://schemas.openxmlformats.org/officeDocument/2006/relationships" xmlns:p="http://schemas.openxmlformats.org/presentationml/2006/main">
   <p:cSld>
     <p:spTree>
       <p:nvGrpSpPr>
@@ -5829,173 +5629,77 @@
       </p:grpSpPr>
       <p:sp>
         <p:nvSpPr>
-          <p:cNvPr id="2" name="Title 1"/>
-          <p:cNvSpPr>
-            <a:spLocks noGrp="1"/>
-          </p:cNvSpPr>
-          <p:nvPr>
-            <p:ph type="title"/>
-          </p:nvPr>
-        </p:nvSpPr>
-        <p:spPr/>
-        <p:txBody>
-          <a:bodyPr/>
-          <a:lstStyle/>
-          <a:p>
-            <a:r>
-              <a:rPr lang="en-US" dirty="0" smtClean="0"/>
-              <a:t>Add Support for </a:t>
-            </a:r>
-            <a:r>
-              <a:rPr lang="en-US" dirty="0" err="1" smtClean="0"/>
-              <a:t>MongoDB</a:t>
-            </a:r>
-            <a:endParaRPr lang="en-US" dirty="0"/>
-          </a:p>
-        </p:txBody>
-      </p:sp>
-      <p:sp>
-        <p:nvSpPr>
-          <p:cNvPr id="3" name="Content Placeholder 2"/>
-          <p:cNvSpPr>
-            <a:spLocks noGrp="1"/>
-          </p:cNvSpPr>
-          <p:nvPr>
-            <p:ph sz="quarter" idx="10"/>
-          </p:nvPr>
+          <p:cNvPr id="5" name="Rectangle 4"/>
+          <p:cNvSpPr/>
+          <p:nvPr/>
         </p:nvSpPr>
         <p:spPr>
           <a:xfrm>
-            <a:off x="379413" y="1388226"/>
-            <a:ext cx="4713092" cy="5290388"/>
-          </a:xfrm>
-        </p:spPr>
-        <p:txBody>
-          <a:bodyPr/>
-          <a:lstStyle/>
-          <a:p>
-            <a:r>
-              <a:rPr lang="en-US" dirty="0" smtClean="0"/>
-              <a:t>Modify </a:t>
-            </a:r>
-            <a:r>
-              <a:rPr lang="en-US" dirty="0" err="1" smtClean="0"/>
-              <a:t>package.json</a:t>
-            </a:r>
-            <a:r>
-              <a:rPr lang="en-US" dirty="0" smtClean="0"/>
-              <a:t> : </a:t>
-            </a:r>
-            <a:r>
-              <a:rPr lang="en-US" dirty="0">
-                <a:latin typeface="Courier New" panose="02070309020205020404" pitchFamily="49" charset="0"/>
-                <a:cs typeface="Courier New" panose="02070309020205020404" pitchFamily="49" charset="0"/>
-              </a:rPr>
-              <a:t>"</a:t>
-            </a:r>
-            <a:r>
-              <a:rPr lang="en-US" dirty="0" err="1">
-                <a:latin typeface="Courier New" panose="02070309020205020404" pitchFamily="49" charset="0"/>
-                <a:cs typeface="Courier New" panose="02070309020205020404" pitchFamily="49" charset="0"/>
-              </a:rPr>
-              <a:t>mongodb</a:t>
-            </a:r>
-            <a:r>
-              <a:rPr lang="en-US" dirty="0">
-                <a:latin typeface="Courier New" panose="02070309020205020404" pitchFamily="49" charset="0"/>
-                <a:cs typeface="Courier New" panose="02070309020205020404" pitchFamily="49" charset="0"/>
-              </a:rPr>
-              <a:t>": "^1.4.10</a:t>
-            </a:r>
-            <a:r>
-              <a:rPr lang="en-US" dirty="0" smtClean="0">
-                <a:latin typeface="Courier New" panose="02070309020205020404" pitchFamily="49" charset="0"/>
-                <a:cs typeface="Courier New" panose="02070309020205020404" pitchFamily="49" charset="0"/>
-              </a:rPr>
-              <a:t>",</a:t>
-            </a:r>
-            <a:endParaRPr lang="en-US" dirty="0" smtClean="0"/>
-          </a:p>
-          <a:p>
-            <a:r>
-              <a:rPr lang="en-US" dirty="0" smtClean="0"/>
-              <a:t>Right click NPM in Visual Studio &gt; right click to install dependencies</a:t>
-            </a:r>
-          </a:p>
-        </p:txBody>
-      </p:sp>
-      <p:pic>
-        <p:nvPicPr>
-          <p:cNvPr id="2050" name="Picture 2" descr="BLOG POST - Part 3 - Screenshot 11"/>
-          <p:cNvPicPr>
-            <a:picLocks noChangeAspect="1" noChangeArrowheads="1"/>
-          </p:cNvPicPr>
-          <p:nvPr/>
-        </p:nvPicPr>
-        <p:blipFill>
-          <a:blip r:embed="rId2">
-            <a:extLst>
-              <a:ext uri="{28A0092B-C50C-407E-A947-70E740481C1C}">
-                <a14:useLocalDpi xmlns:a14="http://schemas.microsoft.com/office/drawing/2010/main" val="0"/>
-              </a:ext>
-            </a:extLst>
-          </a:blip>
-          <a:srcRect/>
-          <a:stretch>
-            <a:fillRect/>
-          </a:stretch>
-        </p:blipFill>
-        <p:spPr bwMode="auto">
-          <a:xfrm>
-            <a:off x="5969871" y="1388226"/>
-            <a:ext cx="5934075" cy="4981575"/>
+            <a:off x="1198216" y="3044279"/>
+            <a:ext cx="184731" cy="1446550"/>
           </a:xfrm>
           <a:prstGeom prst="rect">
             <a:avLst/>
           </a:prstGeom>
-          <a:noFill/>
-          <a:ln>
-            <a:noFill/>
-          </a:ln>
-          <a:extLst>
-            <a:ext uri="{909E8E84-426E-40DD-AFC4-6F175D3DCCD1}">
-              <a14:hiddenFill xmlns:a14="http://schemas.microsoft.com/office/drawing/2010/main">
-                <a:solidFill>
-                  <a:srgbClr val="FFFFFF"/>
-                </a:solidFill>
-              </a14:hiddenFill>
-            </a:ext>
-            <a:ext uri="{91240B29-F687-4F45-9708-019B960494DF}">
-              <a14:hiddenLine xmlns:a14="http://schemas.microsoft.com/office/drawing/2010/main" w="9525">
-                <a:solidFill>
-                  <a:srgbClr val="000000"/>
-                </a:solidFill>
-                <a:miter lim="800000"/>
-                <a:headEnd/>
-                <a:tailEnd/>
-              </a14:hiddenLine>
-            </a:ext>
-          </a:extLst>
         </p:spPr>
-      </p:pic>
+        <p:txBody>
+          <a:bodyPr wrap="none">
+            <a:spAutoFit/>
+          </a:bodyPr>
+          <a:lstStyle/>
+          <a:p>
+            <a:endParaRPr lang="en-GB" sz="4400" dirty="0" smtClean="0">
+              <a:solidFill>
+                <a:schemeClr val="bg1"/>
+              </a:solidFill>
+            </a:endParaRPr>
+          </a:p>
+          <a:p>
+            <a:endParaRPr lang="en-GB" sz="4400" dirty="0">
+              <a:solidFill>
+                <a:schemeClr val="bg1"/>
+              </a:solidFill>
+            </a:endParaRPr>
+          </a:p>
+        </p:txBody>
+      </p:sp>
+      <p:sp>
+        <p:nvSpPr>
+          <p:cNvPr id="2" name="Title 1"/>
+          <p:cNvSpPr>
+            <a:spLocks noGrp="1"/>
+          </p:cNvSpPr>
+          <p:nvPr>
+            <p:ph type="title"/>
+          </p:nvPr>
+        </p:nvSpPr>
+        <p:spPr/>
+        <p:txBody>
+          <a:bodyPr/>
+          <a:lstStyle/>
+          <a:p>
+            <a:r>
+              <a:rPr lang="en-US" dirty="0"/>
+              <a:t>Running MongoDB on Your Local </a:t>
+            </a:r>
+            <a:r>
+              <a:rPr lang="en-US" dirty="0" smtClean="0"/>
+              <a:t>Machine</a:t>
+            </a:r>
+            <a:endParaRPr lang="en-US" dirty="0"/>
+          </a:p>
+        </p:txBody>
+      </p:sp>
     </p:spTree>
     <p:extLst>
       <p:ext uri="{BB962C8B-B14F-4D97-AF65-F5344CB8AC3E}">
-        <p14:creationId xmlns:p14="http://schemas.microsoft.com/office/powerpoint/2010/main" val="1150557230"/>
+        <p14:creationId xmlns:p14="http://schemas.microsoft.com/office/powerpoint/2010/main" val="718782675"/>
       </p:ext>
     </p:extLst>
   </p:cSld>
   <p:clrMapOvr>
     <a:masterClrMapping/>
   </p:clrMapOvr>
-  <mc:AlternateContent xmlns:mc="http://schemas.openxmlformats.org/markup-compatibility/2006" xmlns:p14="http://schemas.microsoft.com/office/powerpoint/2010/main">
-    <mc:Choice Requires="p14">
-      <p:transition spd="slow" p14:dur="2000"/>
-    </mc:Choice>
-    <mc:Fallback xmlns="">
-      <p:transition spd="slow"/>
-    </mc:Fallback>
-  </mc:AlternateContent>
   <p:timing>
     <p:tnLst>
       <p:par>
@@ -6025,42 +5729,6 @@
       </p:grpSpPr>
       <p:sp>
         <p:nvSpPr>
-          <p:cNvPr id="5" name="Rectangle 4"/>
-          <p:cNvSpPr/>
-          <p:nvPr/>
-        </p:nvSpPr>
-        <p:spPr>
-          <a:xfrm>
-            <a:off x="1198216" y="3044279"/>
-            <a:ext cx="184731" cy="1446550"/>
-          </a:xfrm>
-          <a:prstGeom prst="rect">
-            <a:avLst/>
-          </a:prstGeom>
-        </p:spPr>
-        <p:txBody>
-          <a:bodyPr wrap="none">
-            <a:spAutoFit/>
-          </a:bodyPr>
-          <a:lstStyle/>
-          <a:p>
-            <a:endParaRPr lang="en-GB" sz="4400" dirty="0" smtClean="0">
-              <a:solidFill>
-                <a:schemeClr val="bg1"/>
-              </a:solidFill>
-            </a:endParaRPr>
-          </a:p>
-          <a:p>
-            <a:endParaRPr lang="en-GB" sz="4400" dirty="0">
-              <a:solidFill>
-                <a:schemeClr val="bg1"/>
-              </a:solidFill>
-            </a:endParaRPr>
-          </a:p>
-        </p:txBody>
-      </p:sp>
-      <p:sp>
-        <p:nvSpPr>
           <p:cNvPr id="2" name="Title 1"/>
           <p:cNvSpPr>
             <a:spLocks noGrp="1"/>
@@ -6075,12 +5743,87 @@
           <a:lstStyle/>
           <a:p>
             <a:r>
-              <a:rPr lang="en-US" dirty="0"/>
-              <a:t>Running MongoDB on Your Local </a:t>
-            </a:r>
-            <a:r>
-              <a:rPr lang="en-US" dirty="0" smtClean="0"/>
-              <a:t>Machine</a:t>
+              <a:rPr lang="en-US" dirty="0" err="1" smtClean="0"/>
+              <a:t>MongoDB</a:t>
+            </a:r>
+            <a:r>
+              <a:rPr lang="en-US" dirty="0" smtClean="0"/>
+              <a:t> Binaries</a:t>
+            </a:r>
+            <a:endParaRPr lang="en-US" dirty="0"/>
+          </a:p>
+        </p:txBody>
+      </p:sp>
+      <p:sp>
+        <p:nvSpPr>
+          <p:cNvPr id="3" name="Content Placeholder 2"/>
+          <p:cNvSpPr>
+            <a:spLocks noGrp="1"/>
+          </p:cNvSpPr>
+          <p:nvPr>
+            <p:ph sz="quarter" idx="10"/>
+          </p:nvPr>
+        </p:nvSpPr>
+        <p:spPr/>
+        <p:txBody>
+          <a:bodyPr/>
+          <a:lstStyle/>
+          <a:p>
+            <a:r>
+              <a:rPr lang="en-US" dirty="0" smtClean="0"/>
+              <a:t>The following binaries are installed onto your machine</a:t>
+            </a:r>
+          </a:p>
+          <a:p>
+            <a:endParaRPr lang="en-US" dirty="0"/>
+          </a:p>
+          <a:p>
+            <a:pPr lvl="1"/>
+            <a:r>
+              <a:rPr lang="en-US" dirty="0" err="1"/>
+              <a:t>m</a:t>
+            </a:r>
+            <a:r>
+              <a:rPr lang="en-US" dirty="0" err="1" smtClean="0"/>
+              <a:t>ongod</a:t>
+            </a:r>
+            <a:r>
+              <a:rPr lang="en-US" dirty="0" smtClean="0"/>
+              <a:t> – The database process</a:t>
+            </a:r>
+          </a:p>
+          <a:p>
+            <a:pPr lvl="1"/>
+            <a:endParaRPr lang="en-US" dirty="0"/>
+          </a:p>
+          <a:p>
+            <a:pPr lvl="1"/>
+            <a:r>
+              <a:rPr lang="en-US" dirty="0" smtClean="0"/>
+              <a:t>mongo – The </a:t>
+            </a:r>
+            <a:r>
+              <a:rPr lang="en-US" dirty="0" err="1" smtClean="0"/>
+              <a:t>mongodb</a:t>
+            </a:r>
+            <a:r>
+              <a:rPr lang="en-US" dirty="0" smtClean="0"/>
+              <a:t> CLI</a:t>
+            </a:r>
+          </a:p>
+          <a:p>
+            <a:pPr lvl="1"/>
+            <a:endParaRPr lang="en-US" dirty="0"/>
+          </a:p>
+          <a:p>
+            <a:pPr lvl="1"/>
+            <a:r>
+              <a:rPr lang="en-US" dirty="0" err="1" smtClean="0"/>
+              <a:t>mongoimport</a:t>
+            </a:r>
+            <a:r>
+              <a:rPr lang="en-US" dirty="0" smtClean="0"/>
+              <a:t> – A data import utility </a:t>
             </a:r>
             <a:endParaRPr lang="en-US" dirty="0"/>
           </a:p>
@@ -6089,7 +5832,7 @@
     </p:spTree>
     <p:extLst>
       <p:ext uri="{BB962C8B-B14F-4D97-AF65-F5344CB8AC3E}">
-        <p14:creationId xmlns:p14="http://schemas.microsoft.com/office/powerpoint/2010/main" val="718782675"/>
+        <p14:creationId xmlns:p14="http://schemas.microsoft.com/office/powerpoint/2010/main" val="1674729796"/>
       </p:ext>
     </p:extLst>
   </p:cSld>
@@ -6123,6 +5866,47 @@
           <a:chExt cx="0" cy="0"/>
         </a:xfrm>
       </p:grpSpPr>
+      <p:pic>
+        <p:nvPicPr>
+          <p:cNvPr id="6146" name="Picture 2" descr="https://github.com/sedouard/mongodb-mva/raw/master/module2_getting_started/ScreenShots/mongodbss2.png"/>
+          <p:cNvPicPr>
+            <a:picLocks noChangeAspect="1" noChangeArrowheads="1"/>
+          </p:cNvPicPr>
+          <p:nvPr/>
+        </p:nvPicPr>
+        <p:blipFill>
+          <a:blip r:embed="rId3">
+            <a:extLst>
+              <a:ext uri="{28A0092B-C50C-407E-A947-70E740481C1C}">
+                <a14:useLocalDpi xmlns:a14="http://schemas.microsoft.com/office/drawing/2010/main" val="0"/>
+              </a:ext>
+            </a:extLst>
+          </a:blip>
+          <a:srcRect/>
+          <a:stretch>
+            <a:fillRect/>
+          </a:stretch>
+        </p:blipFill>
+        <p:spPr bwMode="auto">
+          <a:xfrm>
+            <a:off x="808453" y="1117022"/>
+            <a:ext cx="10666553" cy="5137474"/>
+          </a:xfrm>
+          <a:prstGeom prst="rect">
+            <a:avLst/>
+          </a:prstGeom>
+          <a:noFill/>
+          <a:extLst>
+            <a:ext uri="{909E8E84-426E-40dd-AFC4-6F175D3DCCD1}">
+              <a14:hiddenFill xmlns:a14="http://schemas.microsoft.com/office/drawing/2010/main" xmlns="">
+                <a:solidFill>
+                  <a:srgbClr val="FFFFFF"/>
+                </a:solidFill>
+              </a14:hiddenFill>
+            </a:ext>
+          </a:extLst>
+        </p:spPr>
+      </p:pic>
       <p:sp>
         <p:nvSpPr>
           <p:cNvPr id="2" name="Title 1"/>
@@ -6144,82 +5928,7 @@
             </a:r>
             <a:r>
               <a:rPr lang="en-US" dirty="0" smtClean="0"/>
-              <a:t> Binaries</a:t>
-            </a:r>
-            <a:endParaRPr lang="en-US" dirty="0"/>
-          </a:p>
-        </p:txBody>
-      </p:sp>
-      <p:sp>
-        <p:nvSpPr>
-          <p:cNvPr id="3" name="Content Placeholder 2"/>
-          <p:cNvSpPr>
-            <a:spLocks noGrp="1"/>
-          </p:cNvSpPr>
-          <p:nvPr>
-            <p:ph sz="quarter" idx="10"/>
-          </p:nvPr>
-        </p:nvSpPr>
-        <p:spPr/>
-        <p:txBody>
-          <a:bodyPr/>
-          <a:lstStyle/>
-          <a:p>
-            <a:r>
-              <a:rPr lang="en-US" dirty="0" smtClean="0"/>
-              <a:t>The following binaries are installed onto your machine</a:t>
-            </a:r>
-          </a:p>
-          <a:p>
-            <a:endParaRPr lang="en-US" dirty="0"/>
-          </a:p>
-          <a:p>
-            <a:pPr lvl="1"/>
-            <a:r>
-              <a:rPr lang="en-US" dirty="0" err="1"/>
-              <a:t>m</a:t>
-            </a:r>
-            <a:r>
-              <a:rPr lang="en-US" dirty="0" err="1" smtClean="0"/>
-              <a:t>ongod</a:t>
-            </a:r>
-            <a:r>
-              <a:rPr lang="en-US" dirty="0" smtClean="0"/>
-              <a:t> – The database process</a:t>
-            </a:r>
-          </a:p>
-          <a:p>
-            <a:pPr lvl="1"/>
-            <a:endParaRPr lang="en-US" dirty="0"/>
-          </a:p>
-          <a:p>
-            <a:pPr lvl="1"/>
-            <a:r>
-              <a:rPr lang="en-US" dirty="0" smtClean="0"/>
-              <a:t>mongo – The </a:t>
-            </a:r>
-            <a:r>
-              <a:rPr lang="en-US" dirty="0" err="1" smtClean="0"/>
-              <a:t>mongodb</a:t>
-            </a:r>
-            <a:r>
-              <a:rPr lang="en-US" dirty="0" smtClean="0"/>
-              <a:t> CLI</a:t>
-            </a:r>
-          </a:p>
-          <a:p>
-            <a:pPr lvl="1"/>
-            <a:endParaRPr lang="en-US" dirty="0"/>
-          </a:p>
-          <a:p>
-            <a:pPr lvl="1"/>
-            <a:r>
-              <a:rPr lang="en-US" dirty="0" err="1" smtClean="0"/>
-              <a:t>mongoimport</a:t>
-            </a:r>
-            <a:r>
-              <a:rPr lang="en-US" dirty="0" smtClean="0"/>
-              <a:t> – A data import utility </a:t>
+              <a:t> Database Organization</a:t>
             </a:r>
             <a:endParaRPr lang="en-US" dirty="0"/>
           </a:p>
@@ -6228,7 +5937,7 @@
     </p:spTree>
     <p:extLst>
       <p:ext uri="{BB962C8B-B14F-4D97-AF65-F5344CB8AC3E}">
-        <p14:creationId xmlns:p14="http://schemas.microsoft.com/office/powerpoint/2010/main" val="1674729796"/>
+        <p14:creationId xmlns:p14="http://schemas.microsoft.com/office/powerpoint/2010/main" val="1838779946"/>
       </p:ext>
     </p:extLst>
   </p:cSld>
@@ -7053,21 +6762,6 @@
 </file>
 
 <file path=customXml/item1.xml><?xml version="1.0" encoding="utf-8"?>
-<p:properties xmlns:p="http://schemas.microsoft.com/office/2006/metadata/properties" xmlns:xsi="http://www.w3.org/2001/XMLSchema-instance" xmlns:pc="http://schemas.microsoft.com/office/infopath/2007/PartnerControls">
-  <documentManagement/>
-</p:properties>
-</file>
-
-<file path=customXml/item2.xml><?xml version="1.0" encoding="utf-8"?>
-<?mso-contentType ?>
-<FormTemplates xmlns="http://schemas.microsoft.com/sharepoint/v3/contenttype/forms">
-  <Display>DocumentLibraryForm</Display>
-  <Edit>DocumentLibraryForm</Edit>
-  <New>DocumentLibraryForm</New>
-</FormTemplates>
-</file>
-
-<file path=customXml/item3.xml><?xml version="1.0" encoding="utf-8"?>
 <ct:contentTypeSchema xmlns:ct="http://schemas.microsoft.com/office/2006/metadata/contentType" xmlns:ma="http://schemas.microsoft.com/office/2006/metadata/properties/metaAttributes" ct:_="" ma:_="" ma:contentTypeName="Document" ma:contentTypeID="0x010100391E57C78B9F604FB8BAD296D1460E2A" ma:contentTypeVersion="1" ma:contentTypeDescription="Create a new document." ma:contentTypeScope="" ma:versionID="fb382fe2362acd2155f454904f478e4d">
   <xsd:schema xmlns:xsd="http://www.w3.org/2001/XMLSchema" xmlns:xs="http://www.w3.org/2001/XMLSchema" xmlns:p="http://schemas.microsoft.com/office/2006/metadata/properties" xmlns:ns3="636b0322-90fb-440c-9cbc-22749e7231e9" targetNamespace="http://schemas.microsoft.com/office/2006/metadata/properties" ma:root="true" ma:fieldsID="b9887c63ce4710c1aeb75a5f03aecb69" ns3:_="">
     <xsd:import namespace="636b0322-90fb-440c-9cbc-22749e7231e9"/>
@@ -7207,31 +6901,22 @@
 </ct:contentTypeSchema>
 </file>
 
-<file path=customXml/itemProps1.xml><?xml version="1.0" encoding="utf-8"?>
-<ds:datastoreItem xmlns:ds="http://schemas.openxmlformats.org/officeDocument/2006/customXml" ds:itemID="{7025FDD9-4C58-4084-9F89-0E6ADD6FFF55}">
-  <ds:schemaRefs>
-    <ds:schemaRef ds:uri="http://purl.org/dc/terms/"/>
-    <ds:schemaRef ds:uri="http://schemas.openxmlformats.org/package/2006/metadata/core-properties"/>
-    <ds:schemaRef ds:uri="http://schemas.microsoft.com/office/2006/documentManagement/types"/>
-    <ds:schemaRef ds:uri="http://schemas.microsoft.com/office/infopath/2007/PartnerControls"/>
-    <ds:schemaRef ds:uri="http://purl.org/dc/elements/1.1/"/>
-    <ds:schemaRef ds:uri="http://schemas.microsoft.com/office/2006/metadata/properties"/>
-    <ds:schemaRef ds:uri="636b0322-90fb-440c-9cbc-22749e7231e9"/>
-    <ds:schemaRef ds:uri="http://www.w3.org/XML/1998/namespace"/>
-    <ds:schemaRef ds:uri="http://purl.org/dc/dcmitype/"/>
-  </ds:schemaRefs>
-</ds:datastoreItem>
+<file path=customXml/item2.xml><?xml version="1.0" encoding="utf-8"?>
+<?mso-contentType ?>
+<FormTemplates xmlns="http://schemas.microsoft.com/sharepoint/v3/contenttype/forms">
+  <Display>DocumentLibraryForm</Display>
+  <Edit>DocumentLibraryForm</Edit>
+  <New>DocumentLibraryForm</New>
+</FormTemplates>
 </file>
 
-<file path=customXml/itemProps2.xml><?xml version="1.0" encoding="utf-8"?>
-<ds:datastoreItem xmlns:ds="http://schemas.openxmlformats.org/officeDocument/2006/customXml" ds:itemID="{B0CA13EC-1D3C-4D6F-8D1C-E8A452CFC79A}">
-  <ds:schemaRefs>
-    <ds:schemaRef ds:uri="http://schemas.microsoft.com/sharepoint/v3/contenttype/forms"/>
-  </ds:schemaRefs>
-</ds:datastoreItem>
+<file path=customXml/item3.xml><?xml version="1.0" encoding="utf-8"?>
+<p:properties xmlns:p="http://schemas.microsoft.com/office/2006/metadata/properties" xmlns:xsi="http://www.w3.org/2001/XMLSchema-instance" xmlns:pc="http://schemas.microsoft.com/office/infopath/2007/PartnerControls">
+  <documentManagement/>
+</p:properties>
 </file>
 
-<file path=customXml/itemProps3.xml><?xml version="1.0" encoding="utf-8"?>
+<file path=customXml/itemProps1.xml><?xml version="1.0" encoding="utf-8"?>
 <ds:datastoreItem xmlns:ds="http://schemas.openxmlformats.org/officeDocument/2006/customXml" ds:itemID="{7B70CE0C-0988-423A-BF66-B40F6A1061FF}">
   <ds:schemaRefs>
     <ds:schemaRef ds:uri="http://schemas.microsoft.com/office/2006/metadata/contentType"/>
@@ -7247,4 +6932,28 @@
     <ds:schemaRef ds:uri="http://schemas.microsoft.com/internal/obd"/>
   </ds:schemaRefs>
 </ds:datastoreItem>
+</file>
+
+<file path=customXml/itemProps2.xml><?xml version="1.0" encoding="utf-8"?>
+<ds:datastoreItem xmlns:ds="http://schemas.openxmlformats.org/officeDocument/2006/customXml" ds:itemID="{B0CA13EC-1D3C-4D6F-8D1C-E8A452CFC79A}">
+  <ds:schemaRefs>
+    <ds:schemaRef ds:uri="http://schemas.microsoft.com/sharepoint/v3/contenttype/forms"/>
+  </ds:schemaRefs>
+</ds:datastoreItem>
+</file>
+
+<file path=customXml/itemProps3.xml><?xml version="1.0" encoding="utf-8"?>
+<ds:datastoreItem xmlns:ds="http://schemas.openxmlformats.org/officeDocument/2006/customXml" ds:itemID="{7025FDD9-4C58-4084-9F89-0E6ADD6FFF55}">
+  <ds:schemaRefs>
+    <ds:schemaRef ds:uri="http://purl.org/dc/terms/"/>
+    <ds:schemaRef ds:uri="http://schemas.openxmlformats.org/package/2006/metadata/core-properties"/>
+    <ds:schemaRef ds:uri="http://schemas.microsoft.com/office/2006/documentManagement/types"/>
+    <ds:schemaRef ds:uri="http://schemas.microsoft.com/office/infopath/2007/PartnerControls"/>
+    <ds:schemaRef ds:uri="http://purl.org/dc/elements/1.1/"/>
+    <ds:schemaRef ds:uri="http://schemas.microsoft.com/office/2006/metadata/properties"/>
+    <ds:schemaRef ds:uri="636b0322-90fb-440c-9cbc-22749e7231e9"/>
+    <ds:schemaRef ds:uri="http://www.w3.org/XML/1998/namespace"/>
+    <ds:schemaRef ds:uri="http://purl.org/dc/dcmitype/"/>
+  </ds:schemaRefs>
+</ds:datastoreItem>
 </file>
--- a/Presentations for Visual Studio Code MVA/03.Express-and-databases.pptx
+++ b/Presentations for Visual Studio Code MVA/03.Express-and-databases.pptx
@@ -5,10 +5,10 @@
     <p:sldMasterId id="2147483660" r:id="rId4"/>
   </p:sldMasterIdLst>
   <p:notesMasterIdLst>
-    <p:notesMasterId r:id="rId25"/>
+    <p:notesMasterId r:id="rId24"/>
   </p:notesMasterIdLst>
   <p:handoutMasterIdLst>
-    <p:handoutMasterId r:id="rId26"/>
+    <p:handoutMasterId r:id="rId25"/>
   </p:handoutMasterIdLst>
   <p:sldIdLst>
     <p:sldId id="283" r:id="rId5"/>
@@ -29,8 +29,7 @@
     <p:sldId id="316" r:id="rId20"/>
     <p:sldId id="317" r:id="rId21"/>
     <p:sldId id="318" r:id="rId22"/>
-    <p:sldId id="319" r:id="rId23"/>
-    <p:sldId id="289" r:id="rId24"/>
+    <p:sldId id="289" r:id="rId23"/>
   </p:sldIdLst>
   <p:sldSz cx="12192000" cy="6858000"/>
   <p:notesSz cx="6858000" cy="9144000"/>
@@ -4027,13 +4026,8 @@
           <a:p>
             <a:r>
               <a:rPr lang="en-US" dirty="0" smtClean="0"/>
-              <a:t>Load bulk data from CSV or JSON </a:t>
-            </a:r>
-            <a:r>
-              <a:rPr lang="en-US" dirty="0" smtClean="0"/>
-              <a:t>files</a:t>
-            </a:r>
-            <a:endParaRPr lang="en-US" dirty="0" smtClean="0"/>
+              <a:t>Load bulk data from CSV or JSON files</a:t>
+            </a:r>
           </a:p>
           <a:p>
             <a:r>
@@ -4218,13 +4212,8 @@
           <a:p>
             <a:r>
               <a:rPr lang="en-US" dirty="0" smtClean="0"/>
-              <a:t>Test out new </a:t>
-            </a:r>
-            <a:r>
-              <a:rPr lang="en-US" dirty="0" smtClean="0"/>
-              <a:t>queries</a:t>
-            </a:r>
-            <a:endParaRPr lang="en-US" dirty="0" smtClean="0"/>
+              <a:t>Test out new queries</a:t>
+            </a:r>
           </a:p>
           <a:p>
             <a:r>
@@ -4331,16 +4320,11 @@
               <a:rPr lang="en-US" dirty="0" smtClean="0"/>
               <a:t>Documents</a:t>
             </a:r>
-            <a:endParaRPr lang="en-US" dirty="0" smtClean="0"/>
-          </a:p>
-          <a:p>
-            <a:r>
-              <a:rPr lang="en-US" dirty="0" smtClean="0"/>
-              <a:t>Databases contain many of </a:t>
-            </a:r>
-            <a:r>
-              <a:rPr lang="en-US" dirty="0" smtClean="0"/>
-              <a:t>these</a:t>
+          </a:p>
+          <a:p>
+            <a:r>
+              <a:rPr lang="en-US" dirty="0" smtClean="0"/>
+              <a:t>Databases contain many of these</a:t>
             </a:r>
             <a:endParaRPr lang="en-US" dirty="0"/>
           </a:p>
@@ -4429,24 +4413,15 @@
           <a:p>
             <a:r>
               <a:rPr lang="en-US" dirty="0" smtClean="0"/>
-              <a:t>Use a Query Object to Fetch Requested </a:t>
-            </a:r>
-            <a:r>
-              <a:rPr lang="en-US" dirty="0" smtClean="0"/>
-              <a:t>Data</a:t>
+              <a:t>Use a Query Object to Fetch Requested Data</a:t>
             </a:r>
             <a:endParaRPr lang="en-US" dirty="0"/>
           </a:p>
           <a:p>
             <a:r>
               <a:rPr lang="en-US" dirty="0" smtClean="0"/>
-              <a:t>Resembles objects already in the </a:t>
-            </a:r>
-            <a:r>
-              <a:rPr lang="en-US" dirty="0" smtClean="0"/>
-              <a:t>database</a:t>
-            </a:r>
-            <a:endParaRPr lang="en-US" dirty="0" smtClean="0"/>
+              <a:t>Resembles objects already in the database</a:t>
+            </a:r>
           </a:p>
           <a:p>
             <a:r>
@@ -4533,24 +4508,14 @@
           <a:p>
             <a:r>
               <a:rPr lang="en-US" dirty="0" smtClean="0"/>
-              <a:t>Used to filter the data you </a:t>
-            </a:r>
-            <a:r>
-              <a:rPr lang="en-US" dirty="0" smtClean="0"/>
-              <a:t>want</a:t>
-            </a:r>
-            <a:endParaRPr lang="en-US" dirty="0" smtClean="0"/>
-          </a:p>
-          <a:p>
-            <a:r>
-              <a:rPr lang="en-US" dirty="0" smtClean="0"/>
-              <a:t>Similar to what SELECT does in a SQL </a:t>
-            </a:r>
-            <a:r>
-              <a:rPr lang="en-US" dirty="0" smtClean="0"/>
-              <a:t>Query</a:t>
-            </a:r>
-            <a:endParaRPr lang="en-US" dirty="0" smtClean="0"/>
+              <a:t>Used to filter the data you want</a:t>
+            </a:r>
+          </a:p>
+          <a:p>
+            <a:r>
+              <a:rPr lang="en-US" dirty="0" smtClean="0"/>
+              <a:t>Similar to what SELECT does in a SQL Query</a:t>
+            </a:r>
           </a:p>
           <a:p>
             <a:r>
@@ -4650,7 +4615,6 @@
               <a:rPr lang="en-US" dirty="0" smtClean="0"/>
               <a:t>Add MongoDB to your Node Project</a:t>
             </a:r>
-            <a:endParaRPr lang="en-US" dirty="0" smtClean="0"/>
           </a:p>
         </p:txBody>
       </p:sp>
@@ -4892,33 +4856,10 @@
           <a:chExt cx="0" cy="0"/>
         </a:xfrm>
       </p:grpSpPr>
-      <p:sp>
-        <p:nvSpPr>
-          <p:cNvPr id="2" name="Title 1"/>
-          <p:cNvSpPr>
-            <a:spLocks noGrp="1"/>
-          </p:cNvSpPr>
-          <p:nvPr>
-            <p:ph type="title"/>
-          </p:nvPr>
-        </p:nvSpPr>
-        <p:spPr/>
-        <p:txBody>
-          <a:bodyPr/>
-          <a:lstStyle/>
-          <a:p>
-            <a:r>
-              <a:rPr lang="en-US" dirty="0" smtClean="0"/>
-              <a:t>Mongoose Package</a:t>
-            </a:r>
-            <a:endParaRPr lang="en-US" dirty="0"/>
-          </a:p>
-        </p:txBody>
-      </p:sp>
     </p:spTree>
     <p:extLst>
       <p:ext uri="{BB962C8B-B14F-4D97-AF65-F5344CB8AC3E}">
-        <p14:creationId xmlns:p14="http://schemas.microsoft.com/office/powerpoint/2010/main" val="572400895"/>
+        <p14:creationId xmlns:p14="http://schemas.microsoft.com/office/powerpoint/2010/main" val="2736691654"/>
       </p:ext>
     </p:extLst>
   </p:cSld>
@@ -5025,36 +4966,6 @@
       </p:par>
     </p:tnLst>
   </p:timing>
-</p:sld>
-</file>
-
-<file path=ppt/slides/slide20.xml><?xml version="1.0" encoding="utf-8"?>
-<p:sld xmlns:a="http://schemas.openxmlformats.org/drawingml/2006/main" xmlns:r="http://schemas.openxmlformats.org/officeDocument/2006/relationships" xmlns:p="http://schemas.openxmlformats.org/presentationml/2006/main">
-  <p:cSld>
-    <p:spTree>
-      <p:nvGrpSpPr>
-        <p:cNvPr id="1" name=""/>
-        <p:cNvGrpSpPr/>
-        <p:nvPr/>
-      </p:nvGrpSpPr>
-      <p:grpSpPr>
-        <a:xfrm>
-          <a:off x="0" y="0"/>
-          <a:ext cx="0" cy="0"/>
-          <a:chOff x="0" y="0"/>
-          <a:chExt cx="0" cy="0"/>
-        </a:xfrm>
-      </p:grpSpPr>
-    </p:spTree>
-    <p:extLst>
-      <p:ext uri="{BB962C8B-B14F-4D97-AF65-F5344CB8AC3E}">
-        <p14:creationId xmlns:p14="http://schemas.microsoft.com/office/powerpoint/2010/main" val="2736691654"/>
-      </p:ext>
-    </p:extLst>
-  </p:cSld>
-  <p:clrMapOvr>
-    <a:masterClrMapping/>
-  </p:clrMapOvr>
 </p:sld>
 </file>
 
@@ -5898,7 +5809,7 @@
           <a:noFill/>
           <a:extLst>
             <a:ext uri="{909E8E84-426E-40dd-AFC4-6F175D3DCCD1}">
-              <a14:hiddenFill xmlns:a14="http://schemas.microsoft.com/office/drawing/2010/main" xmlns="">
+              <a14:hiddenFill xmlns="" xmlns:a14="http://schemas.microsoft.com/office/drawing/2010/main">
                 <a:solidFill>
                   <a:srgbClr val="FFFFFF"/>
                 </a:solidFill>
@@ -6762,6 +6673,21 @@
 </file>
 
 <file path=customXml/item1.xml><?xml version="1.0" encoding="utf-8"?>
+<p:properties xmlns:p="http://schemas.microsoft.com/office/2006/metadata/properties" xmlns:xsi="http://www.w3.org/2001/XMLSchema-instance" xmlns:pc="http://schemas.microsoft.com/office/infopath/2007/PartnerControls">
+  <documentManagement/>
+</p:properties>
+</file>
+
+<file path=customXml/item2.xml><?xml version="1.0" encoding="utf-8"?>
+<?mso-contentType ?>
+<FormTemplates xmlns="http://schemas.microsoft.com/sharepoint/v3/contenttype/forms">
+  <Display>DocumentLibraryForm</Display>
+  <Edit>DocumentLibraryForm</Edit>
+  <New>DocumentLibraryForm</New>
+</FormTemplates>
+</file>
+
+<file path=customXml/item3.xml><?xml version="1.0" encoding="utf-8"?>
 <ct:contentTypeSchema xmlns:ct="http://schemas.microsoft.com/office/2006/metadata/contentType" xmlns:ma="http://schemas.microsoft.com/office/2006/metadata/properties/metaAttributes" ct:_="" ma:_="" ma:contentTypeName="Document" ma:contentTypeID="0x010100391E57C78B9F604FB8BAD296D1460E2A" ma:contentTypeVersion="1" ma:contentTypeDescription="Create a new document." ma:contentTypeScope="" ma:versionID="fb382fe2362acd2155f454904f478e4d">
   <xsd:schema xmlns:xsd="http://www.w3.org/2001/XMLSchema" xmlns:xs="http://www.w3.org/2001/XMLSchema" xmlns:p="http://schemas.microsoft.com/office/2006/metadata/properties" xmlns:ns3="636b0322-90fb-440c-9cbc-22749e7231e9" targetNamespace="http://schemas.microsoft.com/office/2006/metadata/properties" ma:root="true" ma:fieldsID="b9887c63ce4710c1aeb75a5f03aecb69" ns3:_="">
     <xsd:import namespace="636b0322-90fb-440c-9cbc-22749e7231e9"/>
@@ -6901,22 +6827,31 @@
 </ct:contentTypeSchema>
 </file>
 
-<file path=customXml/item2.xml><?xml version="1.0" encoding="utf-8"?>
-<?mso-contentType ?>
-<FormTemplates xmlns="http://schemas.microsoft.com/sharepoint/v3/contenttype/forms">
-  <Display>DocumentLibraryForm</Display>
-  <Edit>DocumentLibraryForm</Edit>
-  <New>DocumentLibraryForm</New>
-</FormTemplates>
+<file path=customXml/itemProps1.xml><?xml version="1.0" encoding="utf-8"?>
+<ds:datastoreItem xmlns:ds="http://schemas.openxmlformats.org/officeDocument/2006/customXml" ds:itemID="{7025FDD9-4C58-4084-9F89-0E6ADD6FFF55}">
+  <ds:schemaRefs>
+    <ds:schemaRef ds:uri="http://purl.org/dc/terms/"/>
+    <ds:schemaRef ds:uri="http://schemas.openxmlformats.org/package/2006/metadata/core-properties"/>
+    <ds:schemaRef ds:uri="http://schemas.microsoft.com/office/2006/documentManagement/types"/>
+    <ds:schemaRef ds:uri="http://schemas.microsoft.com/office/infopath/2007/PartnerControls"/>
+    <ds:schemaRef ds:uri="http://purl.org/dc/elements/1.1/"/>
+    <ds:schemaRef ds:uri="http://schemas.microsoft.com/office/2006/metadata/properties"/>
+    <ds:schemaRef ds:uri="636b0322-90fb-440c-9cbc-22749e7231e9"/>
+    <ds:schemaRef ds:uri="http://www.w3.org/XML/1998/namespace"/>
+    <ds:schemaRef ds:uri="http://purl.org/dc/dcmitype/"/>
+  </ds:schemaRefs>
+</ds:datastoreItem>
 </file>
 
-<file path=customXml/item3.xml><?xml version="1.0" encoding="utf-8"?>
-<p:properties xmlns:p="http://schemas.microsoft.com/office/2006/metadata/properties" xmlns:xsi="http://www.w3.org/2001/XMLSchema-instance" xmlns:pc="http://schemas.microsoft.com/office/infopath/2007/PartnerControls">
-  <documentManagement/>
-</p:properties>
+<file path=customXml/itemProps2.xml><?xml version="1.0" encoding="utf-8"?>
+<ds:datastoreItem xmlns:ds="http://schemas.openxmlformats.org/officeDocument/2006/customXml" ds:itemID="{B0CA13EC-1D3C-4D6F-8D1C-E8A452CFC79A}">
+  <ds:schemaRefs>
+    <ds:schemaRef ds:uri="http://schemas.microsoft.com/sharepoint/v3/contenttype/forms"/>
+  </ds:schemaRefs>
+</ds:datastoreItem>
 </file>
 
-<file path=customXml/itemProps1.xml><?xml version="1.0" encoding="utf-8"?>
+<file path=customXml/itemProps3.xml><?xml version="1.0" encoding="utf-8"?>
 <ds:datastoreItem xmlns:ds="http://schemas.openxmlformats.org/officeDocument/2006/customXml" ds:itemID="{7B70CE0C-0988-423A-BF66-B40F6A1061FF}">
   <ds:schemaRefs>
     <ds:schemaRef ds:uri="http://schemas.microsoft.com/office/2006/metadata/contentType"/>
@@ -6932,28 +6867,4 @@
     <ds:schemaRef ds:uri="http://schemas.microsoft.com/internal/obd"/>
   </ds:schemaRefs>
 </ds:datastoreItem>
-</file>
-
-<file path=customXml/itemProps2.xml><?xml version="1.0" encoding="utf-8"?>
-<ds:datastoreItem xmlns:ds="http://schemas.openxmlformats.org/officeDocument/2006/customXml" ds:itemID="{B0CA13EC-1D3C-4D6F-8D1C-E8A452CFC79A}">
-  <ds:schemaRefs>
-    <ds:schemaRef ds:uri="http://schemas.microsoft.com/sharepoint/v3/contenttype/forms"/>
-  </ds:schemaRefs>
-</ds:datastoreItem>
-</file>
-
-<file path=customXml/itemProps3.xml><?xml version="1.0" encoding="utf-8"?>
-<ds:datastoreItem xmlns:ds="http://schemas.openxmlformats.org/officeDocument/2006/customXml" ds:itemID="{7025FDD9-4C58-4084-9F89-0E6ADD6FFF55}">
-  <ds:schemaRefs>
-    <ds:schemaRef ds:uri="http://purl.org/dc/terms/"/>
-    <ds:schemaRef ds:uri="http://schemas.openxmlformats.org/package/2006/metadata/core-properties"/>
-    <ds:schemaRef ds:uri="http://schemas.microsoft.com/office/2006/documentManagement/types"/>
-    <ds:schemaRef ds:uri="http://schemas.microsoft.com/office/infopath/2007/PartnerControls"/>
-    <ds:schemaRef ds:uri="http://purl.org/dc/elements/1.1/"/>
-    <ds:schemaRef ds:uri="http://schemas.microsoft.com/office/2006/metadata/properties"/>
-    <ds:schemaRef ds:uri="636b0322-90fb-440c-9cbc-22749e7231e9"/>
-    <ds:schemaRef ds:uri="http://www.w3.org/XML/1998/namespace"/>
-    <ds:schemaRef ds:uri="http://purl.org/dc/dcmitype/"/>
-  </ds:schemaRefs>
-</ds:datastoreItem>
 </file>